--- a/递归.pptx
+++ b/递归.pptx
@@ -9,6 +9,10 @@
     <p:sldId id="258" r:id="rId3"/>
     <p:sldId id="256" r:id="rId4"/>
     <p:sldId id="259" r:id="rId5"/>
+    <p:sldId id="260" r:id="rId6"/>
+    <p:sldId id="261" r:id="rId7"/>
+    <p:sldId id="263" r:id="rId8"/>
+    <p:sldId id="262" r:id="rId9"/>
   </p:sldIdLst>
   <p:sldSz cx="12192000" cy="6858000"/>
   <p:notesSz cx="6858000" cy="9144000"/>
@@ -2804,7 +2808,7 @@
           <a:p>
             <a:fld id="{631D7AD9-F7A3-4024-8A03-089BD453BF05}" type="datetimeFigureOut">
               <a:rPr lang="zh-CN" altLang="en-US" smtClean="0"/>
-              <a:t>2018/12/10</a:t>
+              <a:t>2018/12/12</a:t>
             </a:fld>
             <a:endParaRPr lang="zh-CN" altLang="en-US"/>
           </a:p>
@@ -3002,7 +3006,7 @@
           <a:p>
             <a:fld id="{631D7AD9-F7A3-4024-8A03-089BD453BF05}" type="datetimeFigureOut">
               <a:rPr lang="zh-CN" altLang="en-US" smtClean="0"/>
-              <a:t>2018/12/10</a:t>
+              <a:t>2018/12/12</a:t>
             </a:fld>
             <a:endParaRPr lang="zh-CN" altLang="en-US"/>
           </a:p>
@@ -3210,7 +3214,7 @@
           <a:p>
             <a:fld id="{631D7AD9-F7A3-4024-8A03-089BD453BF05}" type="datetimeFigureOut">
               <a:rPr lang="zh-CN" altLang="en-US" smtClean="0"/>
-              <a:t>2018/12/10</a:t>
+              <a:t>2018/12/12</a:t>
             </a:fld>
             <a:endParaRPr lang="zh-CN" altLang="en-US"/>
           </a:p>
@@ -3408,7 +3412,7 @@
           <a:p>
             <a:fld id="{631D7AD9-F7A3-4024-8A03-089BD453BF05}" type="datetimeFigureOut">
               <a:rPr lang="zh-CN" altLang="en-US" smtClean="0"/>
-              <a:t>2018/12/10</a:t>
+              <a:t>2018/12/12</a:t>
             </a:fld>
             <a:endParaRPr lang="zh-CN" altLang="en-US"/>
           </a:p>
@@ -3683,7 +3687,7 @@
           <a:p>
             <a:fld id="{631D7AD9-F7A3-4024-8A03-089BD453BF05}" type="datetimeFigureOut">
               <a:rPr lang="zh-CN" altLang="en-US" smtClean="0"/>
-              <a:t>2018/12/10</a:t>
+              <a:t>2018/12/12</a:t>
             </a:fld>
             <a:endParaRPr lang="zh-CN" altLang="en-US"/>
           </a:p>
@@ -3948,7 +3952,7 @@
           <a:p>
             <a:fld id="{631D7AD9-F7A3-4024-8A03-089BD453BF05}" type="datetimeFigureOut">
               <a:rPr lang="zh-CN" altLang="en-US" smtClean="0"/>
-              <a:t>2018/12/10</a:t>
+              <a:t>2018/12/12</a:t>
             </a:fld>
             <a:endParaRPr lang="zh-CN" altLang="en-US"/>
           </a:p>
@@ -4360,7 +4364,7 @@
           <a:p>
             <a:fld id="{631D7AD9-F7A3-4024-8A03-089BD453BF05}" type="datetimeFigureOut">
               <a:rPr lang="zh-CN" altLang="en-US" smtClean="0"/>
-              <a:t>2018/12/10</a:t>
+              <a:t>2018/12/12</a:t>
             </a:fld>
             <a:endParaRPr lang="zh-CN" altLang="en-US"/>
           </a:p>
@@ -4501,7 +4505,7 @@
           <a:p>
             <a:fld id="{631D7AD9-F7A3-4024-8A03-089BD453BF05}" type="datetimeFigureOut">
               <a:rPr lang="zh-CN" altLang="en-US" smtClean="0"/>
-              <a:t>2018/12/10</a:t>
+              <a:t>2018/12/12</a:t>
             </a:fld>
             <a:endParaRPr lang="zh-CN" altLang="en-US"/>
           </a:p>
@@ -4614,7 +4618,7 @@
           <a:p>
             <a:fld id="{631D7AD9-F7A3-4024-8A03-089BD453BF05}" type="datetimeFigureOut">
               <a:rPr lang="zh-CN" altLang="en-US" smtClean="0"/>
-              <a:t>2018/12/10</a:t>
+              <a:t>2018/12/12</a:t>
             </a:fld>
             <a:endParaRPr lang="zh-CN" altLang="en-US"/>
           </a:p>
@@ -4925,7 +4929,7 @@
           <a:p>
             <a:fld id="{631D7AD9-F7A3-4024-8A03-089BD453BF05}" type="datetimeFigureOut">
               <a:rPr lang="zh-CN" altLang="en-US" smtClean="0"/>
-              <a:t>2018/12/10</a:t>
+              <a:t>2018/12/12</a:t>
             </a:fld>
             <a:endParaRPr lang="zh-CN" altLang="en-US"/>
           </a:p>
@@ -5213,7 +5217,7 @@
           <a:p>
             <a:fld id="{631D7AD9-F7A3-4024-8A03-089BD453BF05}" type="datetimeFigureOut">
               <a:rPr lang="zh-CN" altLang="en-US" smtClean="0"/>
-              <a:t>2018/12/10</a:t>
+              <a:t>2018/12/12</a:t>
             </a:fld>
             <a:endParaRPr lang="zh-CN" altLang="en-US"/>
           </a:p>
@@ -5454,7 +5458,7 @@
           <a:p>
             <a:fld id="{631D7AD9-F7A3-4024-8A03-089BD453BF05}" type="datetimeFigureOut">
               <a:rPr lang="zh-CN" altLang="en-US" smtClean="0"/>
-              <a:t>2018/12/10</a:t>
+              <a:t>2018/12/12</a:t>
             </a:fld>
             <a:endParaRPr lang="zh-CN" altLang="en-US"/>
           </a:p>
@@ -6444,6 +6448,7 @@
       <p:pic>
         <p:nvPicPr>
           <p:cNvPr id="5" name="内容占位符 4">
+            <a:hlinkClick r:id="rId2" action="ppaction://hlinkfile"/>
             <a:extLst>
               <a:ext uri="{FF2B5EF4-FFF2-40B4-BE49-F238E27FC236}">
                 <a16:creationId xmlns:a16="http://schemas.microsoft.com/office/drawing/2014/main" id="{205E68D8-B149-47A8-9AFC-55EE888A24D7}"/>
@@ -6458,7 +6463,7 @@
           </p:nvPr>
         </p:nvPicPr>
         <p:blipFill>
-          <a:blip r:embed="rId2">
+          <a:blip r:embed="rId3">
             <a:extLst>
               <a:ext uri="{28A0092B-C50C-407E-A947-70E740481C1C}">
                 <a14:useLocalDpi xmlns:a14="http://schemas.microsoft.com/office/drawing/2010/main" val="0"/>
@@ -6491,7 +6496,7 @@
           <p:nvPr/>
         </p:nvPicPr>
         <p:blipFill>
-          <a:blip r:embed="rId3">
+          <a:blip r:embed="rId4">
             <a:extLst>
               <a:ext uri="{28A0092B-C50C-407E-A947-70E740481C1C}">
                 <a14:useLocalDpi xmlns:a14="http://schemas.microsoft.com/office/drawing/2010/main" val="0"/>
@@ -6527,7 +6532,7 @@
           <p:nvPr/>
         </p:nvPicPr>
         <p:blipFill>
-          <a:blip r:embed="rId4">
+          <a:blip r:embed="rId5">
             <a:extLst>
               <a:ext uri="{28A0092B-C50C-407E-A947-70E740481C1C}">
                 <a14:useLocalDpi xmlns:a14="http://schemas.microsoft.com/office/drawing/2010/main" val="0"/>
@@ -6563,7 +6568,7 @@
           <p:nvPr/>
         </p:nvPicPr>
         <p:blipFill>
-          <a:blip r:embed="rId5">
+          <a:blip r:embed="rId6">
             <a:extLst>
               <a:ext uri="{28A0092B-C50C-407E-A947-70E740481C1C}">
                 <a14:useLocalDpi xmlns:a14="http://schemas.microsoft.com/office/drawing/2010/main" val="0"/>
@@ -6598,7 +6603,7 @@
         </p:nvSpPr>
         <p:spPr>
           <a:xfrm>
-            <a:off x="3379680" y="3921710"/>
+            <a:off x="3313975" y="3921710"/>
             <a:ext cx="3236784" cy="584775"/>
           </a:xfrm>
           <a:prstGeom prst="rect">
@@ -6628,6 +6633,1034 @@
     <p:extLst>
       <p:ext uri="{BB962C8B-B14F-4D97-AF65-F5344CB8AC3E}">
         <p14:creationId xmlns:p14="http://schemas.microsoft.com/office/powerpoint/2010/main" val="3892846769"/>
+      </p:ext>
+    </p:extLst>
+  </p:cSld>
+  <p:clrMapOvr>
+    <a:masterClrMapping/>
+  </p:clrMapOvr>
+</p:sld>
+</file>
+
+<file path=ppt/slides/slide5.xml><?xml version="1.0" encoding="utf-8"?>
+<p:sld xmlns:a="http://schemas.openxmlformats.org/drawingml/2006/main" xmlns:r="http://schemas.openxmlformats.org/officeDocument/2006/relationships" xmlns:p="http://schemas.openxmlformats.org/presentationml/2006/main">
+  <p:cSld>
+    <p:spTree>
+      <p:nvGrpSpPr>
+        <p:cNvPr id="1" name=""/>
+        <p:cNvGrpSpPr/>
+        <p:nvPr/>
+      </p:nvGrpSpPr>
+      <p:grpSpPr>
+        <a:xfrm>
+          <a:off x="0" y="0"/>
+          <a:ext cx="0" cy="0"/>
+          <a:chOff x="0" y="0"/>
+          <a:chExt cx="0" cy="0"/>
+        </a:xfrm>
+      </p:grpSpPr>
+      <p:sp>
+        <p:nvSpPr>
+          <p:cNvPr id="2" name="标题 1">
+            <a:extLst>
+              <a:ext uri="{FF2B5EF4-FFF2-40B4-BE49-F238E27FC236}">
+                <a16:creationId xmlns:a16="http://schemas.microsoft.com/office/drawing/2014/main" id="{199D836E-C1E4-474E-9449-DE16B3057B5E}"/>
+              </a:ext>
+            </a:extLst>
+          </p:cNvPr>
+          <p:cNvSpPr>
+            <a:spLocks noGrp="1"/>
+          </p:cNvSpPr>
+          <p:nvPr>
+            <p:ph type="title"/>
+          </p:nvPr>
+        </p:nvSpPr>
+        <p:spPr/>
+        <p:txBody>
+          <a:bodyPr/>
+          <a:lstStyle/>
+          <a:p>
+            <a:r>
+              <a:rPr lang="zh-CN" altLang="en-US" b="1" dirty="0"/>
+              <a:t>自然数的定义</a:t>
+            </a:r>
+          </a:p>
+        </p:txBody>
+      </p:sp>
+      <p:sp>
+        <p:nvSpPr>
+          <p:cNvPr id="3" name="内容占位符 2">
+            <a:extLst>
+              <a:ext uri="{FF2B5EF4-FFF2-40B4-BE49-F238E27FC236}">
+                <a16:creationId xmlns:a16="http://schemas.microsoft.com/office/drawing/2014/main" id="{4110B0A7-1803-4222-ACD7-0A01A38CB36A}"/>
+              </a:ext>
+            </a:extLst>
+          </p:cNvPr>
+          <p:cNvSpPr>
+            <a:spLocks noGrp="1"/>
+          </p:cNvSpPr>
+          <p:nvPr>
+            <p:ph idx="1"/>
+          </p:nvPr>
+        </p:nvSpPr>
+        <p:spPr/>
+        <p:txBody>
+          <a:bodyPr/>
+          <a:lstStyle/>
+          <a:p>
+            <a:r>
+              <a:rPr lang="zh-CN" altLang="en-US" sz="3600" dirty="0"/>
+              <a:t>数学定义</a:t>
+            </a:r>
+            <a:endParaRPr lang="en-US" altLang="zh-CN" sz="3600" dirty="0"/>
+          </a:p>
+          <a:p>
+            <a:pPr lvl="1"/>
+            <a:r>
+              <a:rPr lang="zh-CN" altLang="en-US" sz="3200" dirty="0"/>
+              <a:t>自然数集是全体非负整数组成的集合，常用 </a:t>
+            </a:r>
+            <a:r>
+              <a:rPr lang="en-US" altLang="zh-CN" sz="3200" dirty="0"/>
+              <a:t>N </a:t>
+            </a:r>
+            <a:r>
+              <a:rPr lang="zh-CN" altLang="en-US" sz="3200" dirty="0"/>
+              <a:t>来表示。自然数有无穷无尽的个数。</a:t>
+            </a:r>
+            <a:endParaRPr lang="en-US" altLang="zh-CN" sz="3200" dirty="0"/>
+          </a:p>
+          <a:p>
+            <a:endParaRPr lang="en-US" altLang="zh-CN" dirty="0"/>
+          </a:p>
+          <a:p>
+            <a:r>
+              <a:rPr lang="zh-CN" altLang="en-US" sz="3600" dirty="0"/>
+              <a:t>递归定义</a:t>
+            </a:r>
+            <a:endParaRPr lang="en-US" altLang="zh-CN" sz="3600" dirty="0"/>
+          </a:p>
+          <a:p>
+            <a:pPr lvl="1"/>
+            <a:r>
+              <a:rPr lang="en-US" altLang="zh-CN" sz="3600" dirty="0"/>
+              <a:t>1) 0</a:t>
+            </a:r>
+            <a:r>
+              <a:rPr lang="zh-CN" altLang="en-US" sz="3600" dirty="0"/>
+              <a:t>是自然数</a:t>
+            </a:r>
+            <a:endParaRPr lang="en-US" altLang="zh-CN" sz="3600" dirty="0"/>
+          </a:p>
+          <a:p>
+            <a:pPr lvl="1"/>
+            <a:r>
+              <a:rPr lang="en-US" altLang="zh-CN" sz="3600" dirty="0"/>
+              <a:t>2) </a:t>
+            </a:r>
+            <a:r>
+              <a:rPr lang="zh-CN" altLang="en-US" sz="3600" dirty="0"/>
+              <a:t>自然数加</a:t>
+            </a:r>
+            <a:r>
+              <a:rPr lang="en-US" altLang="zh-CN" sz="3600" dirty="0"/>
+              <a:t>1</a:t>
+            </a:r>
+            <a:r>
+              <a:rPr lang="zh-CN" altLang="en-US" sz="3600" dirty="0"/>
+              <a:t>是自然数</a:t>
+            </a:r>
+            <a:endParaRPr lang="en-US" altLang="zh-CN" sz="3600" dirty="0"/>
+          </a:p>
+        </p:txBody>
+      </p:sp>
+    </p:spTree>
+    <p:extLst>
+      <p:ext uri="{BB962C8B-B14F-4D97-AF65-F5344CB8AC3E}">
+        <p14:creationId xmlns:p14="http://schemas.microsoft.com/office/powerpoint/2010/main" val="2614081050"/>
+      </p:ext>
+    </p:extLst>
+  </p:cSld>
+  <p:clrMapOvr>
+    <a:masterClrMapping/>
+  </p:clrMapOvr>
+</p:sld>
+</file>
+
+<file path=ppt/slides/slide6.xml><?xml version="1.0" encoding="utf-8"?>
+<p:sld xmlns:a="http://schemas.openxmlformats.org/drawingml/2006/main" xmlns:r="http://schemas.openxmlformats.org/officeDocument/2006/relationships" xmlns:p="http://schemas.openxmlformats.org/presentationml/2006/main">
+  <p:cSld>
+    <p:spTree>
+      <p:nvGrpSpPr>
+        <p:cNvPr id="1" name=""/>
+        <p:cNvGrpSpPr/>
+        <p:nvPr/>
+      </p:nvGrpSpPr>
+      <p:grpSpPr>
+        <a:xfrm>
+          <a:off x="0" y="0"/>
+          <a:ext cx="0" cy="0"/>
+          <a:chOff x="0" y="0"/>
+          <a:chExt cx="0" cy="0"/>
+        </a:xfrm>
+      </p:grpSpPr>
+      <p:sp>
+        <p:nvSpPr>
+          <p:cNvPr id="2" name="标题 1">
+            <a:extLst>
+              <a:ext uri="{FF2B5EF4-FFF2-40B4-BE49-F238E27FC236}">
+                <a16:creationId xmlns:a16="http://schemas.microsoft.com/office/drawing/2014/main" id="{8A67BE74-74AB-4CC5-9A3F-9A8E09BD04B6}"/>
+              </a:ext>
+            </a:extLst>
+          </p:cNvPr>
+          <p:cNvSpPr>
+            <a:spLocks noGrp="1"/>
+          </p:cNvSpPr>
+          <p:nvPr>
+            <p:ph type="title"/>
+          </p:nvPr>
+        </p:nvSpPr>
+        <p:spPr/>
+        <p:txBody>
+          <a:bodyPr/>
+          <a:lstStyle/>
+          <a:p>
+            <a:pPr algn="ctr"/>
+            <a:r>
+              <a:rPr lang="zh-CN" altLang="en-US" b="1" dirty="0">
+                <a:latin typeface="新宋体" panose="02010609030101010101" pitchFamily="49" charset="-122"/>
+                <a:ea typeface="新宋体" panose="02010609030101010101" pitchFamily="49" charset="-122"/>
+              </a:rPr>
+              <a:t>递归就是函数自己调用自己</a:t>
+            </a:r>
+          </a:p>
+        </p:txBody>
+      </p:sp>
+      <mc:AlternateContent xmlns:mc="http://schemas.openxmlformats.org/markup-compatibility/2006">
+        <mc:Choice xmlns:a14="http://schemas.microsoft.com/office/drawing/2010/main" Requires="a14">
+          <p:sp>
+            <p:nvSpPr>
+              <p:cNvPr id="3" name="内容占位符 2">
+                <a:extLst>
+                  <a:ext uri="{FF2B5EF4-FFF2-40B4-BE49-F238E27FC236}">
+                    <a16:creationId xmlns:a16="http://schemas.microsoft.com/office/drawing/2014/main" id="{89C6FF77-4A70-43B1-ACBE-20C9D23DBE62}"/>
+                  </a:ext>
+                </a:extLst>
+              </p:cNvPr>
+              <p:cNvSpPr>
+                <a:spLocks noGrp="1"/>
+              </p:cNvSpPr>
+              <p:nvPr>
+                <p:ph idx="1"/>
+              </p:nvPr>
+            </p:nvSpPr>
+            <p:spPr/>
+            <p:txBody>
+              <a:bodyPr>
+                <a:normAutofit/>
+              </a:bodyPr>
+              <a:lstStyle/>
+              <a:p>
+                <a:pPr marL="0" indent="0" algn="ctr">
+                  <a:buNone/>
+                </a:pPr>
+                <a:endParaRPr lang="en-US" altLang="zh-CN" sz="4000" dirty="0"/>
+              </a:p>
+              <a:p>
+                <a:pPr marL="0" indent="0" algn="ctr">
+                  <a:buNone/>
+                </a:pPr>
+                <a:r>
+                  <a:rPr lang="zh-CN" altLang="en-US" sz="4000" dirty="0">
+                    <a:latin typeface="Adobe 宋体 Std L" panose="02020300000000000000" pitchFamily="18" charset="-122"/>
+                    <a:ea typeface="Adobe 宋体 Std L" panose="02020300000000000000" pitchFamily="18" charset="-122"/>
+                  </a:rPr>
+                  <a:t>递归 </a:t>
+                </a:r>
+                <a:r>
+                  <a:rPr lang="en-US" altLang="zh-CN" sz="4000" dirty="0">
+                    <a:latin typeface="Adobe 宋体 Std L" panose="02020300000000000000" pitchFamily="18" charset="-122"/>
+                    <a:ea typeface="Adobe 宋体 Std L" panose="02020300000000000000" pitchFamily="18" charset="-122"/>
+                  </a:rPr>
+                  <a:t>= </a:t>
+                </a:r>
+                <a:r>
+                  <a:rPr lang="zh-CN" altLang="en-US" sz="4000" dirty="0">
+                    <a:latin typeface="Adobe 宋体 Std L" panose="02020300000000000000" pitchFamily="18" charset="-122"/>
+                    <a:ea typeface="Adobe 宋体 Std L" panose="02020300000000000000" pitchFamily="18" charset="-122"/>
+                  </a:rPr>
+                  <a:t>递推式 </a:t>
+                </a:r>
+                <a:r>
+                  <a:rPr lang="en-US" altLang="zh-CN" sz="4000" dirty="0">
+                    <a:latin typeface="Adobe 宋体 Std L" panose="02020300000000000000" pitchFamily="18" charset="-122"/>
+                    <a:ea typeface="Adobe 宋体 Std L" panose="02020300000000000000" pitchFamily="18" charset="-122"/>
+                  </a:rPr>
+                  <a:t>+ </a:t>
+                </a:r>
+                <a:r>
+                  <a:rPr lang="zh-CN" altLang="en-US" sz="4000" dirty="0">
+                    <a:latin typeface="Adobe 宋体 Std L" panose="02020300000000000000" pitchFamily="18" charset="-122"/>
+                    <a:ea typeface="Adobe 宋体 Std L" panose="02020300000000000000" pitchFamily="18" charset="-122"/>
+                  </a:rPr>
+                  <a:t>递归出口</a:t>
+                </a:r>
+                <a:endParaRPr lang="en-US" altLang="zh-CN" sz="4000" dirty="0">
+                  <a:latin typeface="Adobe 宋体 Std L" panose="02020300000000000000" pitchFamily="18" charset="-122"/>
+                  <a:ea typeface="Adobe 宋体 Std L" panose="02020300000000000000" pitchFamily="18" charset="-122"/>
+                </a:endParaRPr>
+              </a:p>
+              <a:p>
+                <a:pPr marL="0" indent="0" algn="ctr">
+                  <a:buNone/>
+                </a:pPr>
+                <a:endParaRPr lang="en-US" altLang="zh-CN" sz="4000" dirty="0">
+                  <a:latin typeface="Adobe 宋体 Std L" panose="02020300000000000000" pitchFamily="18" charset="-122"/>
+                  <a:ea typeface="Adobe 宋体 Std L" panose="02020300000000000000" pitchFamily="18" charset="-122"/>
+                </a:endParaRPr>
+              </a:p>
+              <a:p>
+                <a:pPr marL="0" indent="0">
+                  <a:buNone/>
+                </a:pPr>
+                <a:r>
+                  <a:rPr lang="zh-CN" altLang="en-US" sz="3600" dirty="0">
+                    <a:latin typeface="Adobe 宋体 Std L" panose="02020300000000000000" pitchFamily="18" charset="-122"/>
+                    <a:ea typeface="Adobe 宋体 Std L" panose="02020300000000000000" pitchFamily="18" charset="-122"/>
+                  </a:rPr>
+                  <a:t>自然数的定义</a:t>
+                </a:r>
+                <a:r>
+                  <a:rPr lang="en-US" altLang="zh-CN" sz="3600" dirty="0">
+                    <a:latin typeface="Adobe 宋体 Std L" panose="02020300000000000000" pitchFamily="18" charset="-122"/>
+                    <a:ea typeface="Adobe 宋体 Std L" panose="02020300000000000000" pitchFamily="18" charset="-122"/>
+                  </a:rPr>
+                  <a:t>:</a:t>
+                </a:r>
+              </a:p>
+              <a:p>
+                <a:pPr marL="0" indent="0">
+                  <a:buNone/>
+                </a:pPr>
+                <a14:m>
+                  <m:oMathPara xmlns:m="http://schemas.openxmlformats.org/officeDocument/2006/math">
+                    <m:oMathParaPr>
+                      <m:jc m:val="centerGroup"/>
+                    </m:oMathParaPr>
+                    <m:oMath xmlns:m="http://schemas.openxmlformats.org/officeDocument/2006/math">
+                      <m:d>
+                        <m:dPr>
+                          <m:begChr m:val="{"/>
+                          <m:endChr m:val=""/>
+                          <m:ctrlPr>
+                            <a:rPr lang="en-US" altLang="zh-CN" sz="4000" i="1" smtClean="0">
+                              <a:solidFill>
+                                <a:srgbClr val="FF0000"/>
+                              </a:solidFill>
+                              <a:latin typeface="Cambria Math" panose="02040503050406030204" pitchFamily="18" charset="0"/>
+                              <a:ea typeface="Adobe 宋体 Std L" panose="02020300000000000000" pitchFamily="18" charset="-122"/>
+                            </a:rPr>
+                          </m:ctrlPr>
+                        </m:dPr>
+                        <m:e>
+                          <m:eqArr>
+                            <m:eqArrPr>
+                              <m:ctrlPr>
+                                <a:rPr lang="en-US" altLang="zh-CN" sz="4000" i="1" smtClean="0">
+                                  <a:solidFill>
+                                    <a:srgbClr val="FF0000"/>
+                                  </a:solidFill>
+                                  <a:latin typeface="Cambria Math" panose="02040503050406030204" pitchFamily="18" charset="0"/>
+                                  <a:ea typeface="Adobe 宋体 Std L" panose="02020300000000000000" pitchFamily="18" charset="-122"/>
+                                </a:rPr>
+                              </m:ctrlPr>
+                            </m:eqArrPr>
+                            <m:e>
+                              <m:r>
+                                <m:rPr>
+                                  <m:nor/>
+                                </m:rPr>
+                                <a:rPr lang="en-US" altLang="zh-CN" sz="4000" b="0" i="0" smtClean="0">
+                                  <a:solidFill>
+                                    <a:srgbClr val="FF0000"/>
+                                  </a:solidFill>
+                                  <a:latin typeface="Cambria Math" panose="02040503050406030204" pitchFamily="18" charset="0"/>
+                                  <a:ea typeface="Adobe 宋体 Std L" panose="02020300000000000000" pitchFamily="18" charset="-122"/>
+                                </a:rPr>
+                                <m:t>F</m:t>
+                              </m:r>
+                              <m:r>
+                                <m:rPr>
+                                  <m:nor/>
+                                </m:rPr>
+                                <a:rPr lang="en-US" altLang="zh-CN" sz="4000" b="0" i="0" smtClean="0">
+                                  <a:solidFill>
+                                    <a:srgbClr val="FF0000"/>
+                                  </a:solidFill>
+                                  <a:latin typeface="Cambria Math" panose="02040503050406030204" pitchFamily="18" charset="0"/>
+                                  <a:ea typeface="Adobe 宋体 Std L" panose="02020300000000000000" pitchFamily="18" charset="-122"/>
+                                </a:rPr>
+                                <m:t>(0) = 0</m:t>
+                              </m:r>
+                            </m:e>
+                            <m:e>
+                              <m:r>
+                                <a:rPr lang="en-US" altLang="zh-CN" sz="4000" b="0" i="1" smtClean="0">
+                                  <a:solidFill>
+                                    <a:srgbClr val="FF0000"/>
+                                  </a:solidFill>
+                                  <a:latin typeface="Cambria Math" panose="02040503050406030204" pitchFamily="18" charset="0"/>
+                                  <a:ea typeface="Adobe 宋体 Std L" panose="02020300000000000000" pitchFamily="18" charset="-122"/>
+                                </a:rPr>
+                                <m:t>𝐹</m:t>
+                              </m:r>
+                              <m:d>
+                                <m:dPr>
+                                  <m:ctrlPr>
+                                    <a:rPr lang="en-US" altLang="zh-CN" sz="4000" b="0" i="1" smtClean="0">
+                                      <a:solidFill>
+                                        <a:srgbClr val="FF0000"/>
+                                      </a:solidFill>
+                                      <a:latin typeface="Cambria Math" panose="02040503050406030204" pitchFamily="18" charset="0"/>
+                                      <a:ea typeface="Adobe 宋体 Std L" panose="02020300000000000000" pitchFamily="18" charset="-122"/>
+                                    </a:rPr>
+                                  </m:ctrlPr>
+                                </m:dPr>
+                                <m:e>
+                                  <m:r>
+                                    <a:rPr lang="en-US" altLang="zh-CN" sz="4000" b="0" i="1" smtClean="0">
+                                      <a:solidFill>
+                                        <a:srgbClr val="FF0000"/>
+                                      </a:solidFill>
+                                      <a:latin typeface="Cambria Math" panose="02040503050406030204" pitchFamily="18" charset="0"/>
+                                      <a:ea typeface="Adobe 宋体 Std L" panose="02020300000000000000" pitchFamily="18" charset="-122"/>
+                                    </a:rPr>
+                                    <m:t>𝑛</m:t>
+                                  </m:r>
+                                </m:e>
+                              </m:d>
+                              <m:r>
+                                <a:rPr lang="en-US" altLang="zh-CN" sz="4000" b="0" i="1" smtClean="0">
+                                  <a:solidFill>
+                                    <a:srgbClr val="FF0000"/>
+                                  </a:solidFill>
+                                  <a:latin typeface="Cambria Math" panose="02040503050406030204" pitchFamily="18" charset="0"/>
+                                  <a:ea typeface="Adobe 宋体 Std L" panose="02020300000000000000" pitchFamily="18" charset="-122"/>
+                                </a:rPr>
+                                <m:t>=</m:t>
+                              </m:r>
+                              <m:r>
+                                <a:rPr lang="en-US" altLang="zh-CN" sz="4000" b="0" i="1" smtClean="0">
+                                  <a:solidFill>
+                                    <a:srgbClr val="FF0000"/>
+                                  </a:solidFill>
+                                  <a:latin typeface="Cambria Math" panose="02040503050406030204" pitchFamily="18" charset="0"/>
+                                  <a:ea typeface="Adobe 宋体 Std L" panose="02020300000000000000" pitchFamily="18" charset="-122"/>
+                                </a:rPr>
+                                <m:t>𝐹</m:t>
+                              </m:r>
+                              <m:d>
+                                <m:dPr>
+                                  <m:ctrlPr>
+                                    <a:rPr lang="en-US" altLang="zh-CN" sz="4000" b="0" i="1" smtClean="0">
+                                      <a:solidFill>
+                                        <a:srgbClr val="FF0000"/>
+                                      </a:solidFill>
+                                      <a:latin typeface="Cambria Math" panose="02040503050406030204" pitchFamily="18" charset="0"/>
+                                      <a:ea typeface="Adobe 宋体 Std L" panose="02020300000000000000" pitchFamily="18" charset="-122"/>
+                                    </a:rPr>
+                                  </m:ctrlPr>
+                                </m:dPr>
+                                <m:e>
+                                  <m:r>
+                                    <a:rPr lang="en-US" altLang="zh-CN" sz="4000" b="0" i="1" smtClean="0">
+                                      <a:solidFill>
+                                        <a:srgbClr val="FF0000"/>
+                                      </a:solidFill>
+                                      <a:latin typeface="Cambria Math" panose="02040503050406030204" pitchFamily="18" charset="0"/>
+                                      <a:ea typeface="Adobe 宋体 Std L" panose="02020300000000000000" pitchFamily="18" charset="-122"/>
+                                    </a:rPr>
+                                    <m:t>𝑛</m:t>
+                                  </m:r>
+                                  <m:r>
+                                    <a:rPr lang="en-US" altLang="zh-CN" sz="4000" b="0" i="1" smtClean="0">
+                                      <a:solidFill>
+                                        <a:srgbClr val="FF0000"/>
+                                      </a:solidFill>
+                                      <a:latin typeface="Cambria Math" panose="02040503050406030204" pitchFamily="18" charset="0"/>
+                                      <a:ea typeface="Adobe 宋体 Std L" panose="02020300000000000000" pitchFamily="18" charset="-122"/>
+                                    </a:rPr>
+                                    <m:t>−1</m:t>
+                                  </m:r>
+                                </m:e>
+                              </m:d>
+                              <m:r>
+                                <a:rPr lang="en-US" altLang="zh-CN" sz="4000" b="0" i="1" smtClean="0">
+                                  <a:solidFill>
+                                    <a:srgbClr val="FF0000"/>
+                                  </a:solidFill>
+                                  <a:latin typeface="Cambria Math" panose="02040503050406030204" pitchFamily="18" charset="0"/>
+                                  <a:ea typeface="Adobe 宋体 Std L" panose="02020300000000000000" pitchFamily="18" charset="-122"/>
+                                </a:rPr>
+                                <m:t>+1</m:t>
+                              </m:r>
+                            </m:e>
+                          </m:eqArr>
+                        </m:e>
+                      </m:d>
+                    </m:oMath>
+                  </m:oMathPara>
+                </a14:m>
+                <a:endParaRPr lang="en-US" altLang="zh-CN" sz="4000" dirty="0">
+                  <a:latin typeface="Adobe 宋体 Std L" panose="02020300000000000000" pitchFamily="18" charset="-122"/>
+                  <a:ea typeface="Adobe 宋体 Std L" panose="02020300000000000000" pitchFamily="18" charset="-122"/>
+                </a:endParaRPr>
+              </a:p>
+            </p:txBody>
+          </p:sp>
+        </mc:Choice>
+        <mc:Fallback>
+          <p:sp>
+            <p:nvSpPr>
+              <p:cNvPr id="3" name="内容占位符 2">
+                <a:extLst>
+                  <a:ext uri="{FF2B5EF4-FFF2-40B4-BE49-F238E27FC236}">
+                    <a16:creationId xmlns:a16="http://schemas.microsoft.com/office/drawing/2014/main" id="{89C6FF77-4A70-43B1-ACBE-20C9D23DBE62}"/>
+                  </a:ext>
+                </a:extLst>
+              </p:cNvPr>
+              <p:cNvSpPr>
+                <a:spLocks noGrp="1" noRot="1" noChangeAspect="1" noMove="1" noResize="1" noEditPoints="1" noAdjustHandles="1" noChangeArrowheads="1" noChangeShapeType="1" noTextEdit="1"/>
+              </p:cNvSpPr>
+              <p:nvPr>
+                <p:ph idx="1"/>
+              </p:nvPr>
+            </p:nvSpPr>
+            <p:spPr>
+              <a:blipFill>
+                <a:blip r:embed="rId2"/>
+                <a:stretch>
+                  <a:fillRect l="-1797"/>
+                </a:stretch>
+              </a:blipFill>
+            </p:spPr>
+            <p:txBody>
+              <a:bodyPr/>
+              <a:lstStyle/>
+              <a:p>
+                <a:r>
+                  <a:rPr lang="zh-CN" altLang="en-US">
+                    <a:noFill/>
+                  </a:rPr>
+                  <a:t> </a:t>
+                </a:r>
+              </a:p>
+            </p:txBody>
+          </p:sp>
+        </mc:Fallback>
+      </mc:AlternateContent>
+    </p:spTree>
+    <p:extLst>
+      <p:ext uri="{BB962C8B-B14F-4D97-AF65-F5344CB8AC3E}">
+        <p14:creationId xmlns:p14="http://schemas.microsoft.com/office/powerpoint/2010/main" val="3469214169"/>
+      </p:ext>
+    </p:extLst>
+  </p:cSld>
+  <p:clrMapOvr>
+    <a:masterClrMapping/>
+  </p:clrMapOvr>
+</p:sld>
+</file>
+
+<file path=ppt/slides/slide7.xml><?xml version="1.0" encoding="utf-8"?>
+<p:sld xmlns:a="http://schemas.openxmlformats.org/drawingml/2006/main" xmlns:r="http://schemas.openxmlformats.org/officeDocument/2006/relationships" xmlns:p="http://schemas.openxmlformats.org/presentationml/2006/main">
+  <p:cSld>
+    <p:spTree>
+      <p:nvGrpSpPr>
+        <p:cNvPr id="1" name=""/>
+        <p:cNvGrpSpPr/>
+        <p:nvPr/>
+      </p:nvGrpSpPr>
+      <p:grpSpPr>
+        <a:xfrm>
+          <a:off x="0" y="0"/>
+          <a:ext cx="0" cy="0"/>
+          <a:chOff x="0" y="0"/>
+          <a:chExt cx="0" cy="0"/>
+        </a:xfrm>
+      </p:grpSpPr>
+      <p:sp>
+        <p:nvSpPr>
+          <p:cNvPr id="2" name="标题 1">
+            <a:extLst>
+              <a:ext uri="{FF2B5EF4-FFF2-40B4-BE49-F238E27FC236}">
+                <a16:creationId xmlns:a16="http://schemas.microsoft.com/office/drawing/2014/main" id="{7E21280E-994A-43DE-AC58-8B78237075EB}"/>
+              </a:ext>
+            </a:extLst>
+          </p:cNvPr>
+          <p:cNvSpPr>
+            <a:spLocks noGrp="1"/>
+          </p:cNvSpPr>
+          <p:nvPr>
+            <p:ph type="title"/>
+          </p:nvPr>
+        </p:nvSpPr>
+        <p:spPr/>
+        <p:txBody>
+          <a:bodyPr/>
+          <a:lstStyle/>
+          <a:p>
+            <a:pPr algn="ctr"/>
+            <a:r>
+              <a:rPr lang="en-US" altLang="zh-CN" b="1" dirty="0">
+                <a:latin typeface="新宋体" panose="02010609030101010101" pitchFamily="49" charset="-122"/>
+                <a:ea typeface="新宋体" panose="02010609030101010101" pitchFamily="49" charset="-122"/>
+              </a:rPr>
+              <a:t>1-100</a:t>
+            </a:r>
+            <a:r>
+              <a:rPr lang="zh-CN" altLang="en-US" b="1" dirty="0">
+                <a:latin typeface="新宋体" panose="02010609030101010101" pitchFamily="49" charset="-122"/>
+                <a:ea typeface="新宋体" panose="02010609030101010101" pitchFamily="49" charset="-122"/>
+              </a:rPr>
+              <a:t>求和</a:t>
+            </a:r>
+          </a:p>
+        </p:txBody>
+      </p:sp>
+      <p:sp>
+        <p:nvSpPr>
+          <p:cNvPr id="3" name="内容占位符 2">
+            <a:extLst>
+              <a:ext uri="{FF2B5EF4-FFF2-40B4-BE49-F238E27FC236}">
+                <a16:creationId xmlns:a16="http://schemas.microsoft.com/office/drawing/2014/main" id="{F7CDEA9C-9713-48B4-B35B-57A2CAC56602}"/>
+              </a:ext>
+            </a:extLst>
+          </p:cNvPr>
+          <p:cNvSpPr>
+            <a:spLocks noGrp="1"/>
+          </p:cNvSpPr>
+          <p:nvPr>
+            <p:ph idx="1"/>
+          </p:nvPr>
+        </p:nvSpPr>
+        <p:spPr>
+          <a:xfrm>
+            <a:off x="838200" y="1825625"/>
+            <a:ext cx="10515600" cy="589048"/>
+          </a:xfrm>
+        </p:spPr>
+        <p:txBody>
+          <a:bodyPr/>
+          <a:lstStyle/>
+          <a:p>
+            <a:r>
+              <a:rPr lang="en-US" altLang="zh-CN" dirty="0"/>
+              <a:t>1 + 2 + 3 + … + 100 = ?</a:t>
+            </a:r>
+          </a:p>
+        </p:txBody>
+      </p:sp>
+      <mc:AlternateContent xmlns:mc="http://schemas.openxmlformats.org/markup-compatibility/2006">
+        <mc:Choice xmlns:a14="http://schemas.microsoft.com/office/drawing/2010/main" Requires="a14">
+          <p:sp>
+            <p:nvSpPr>
+              <p:cNvPr id="5" name="文本框 4">
+                <a:extLst>
+                  <a:ext uri="{FF2B5EF4-FFF2-40B4-BE49-F238E27FC236}">
+                    <a16:creationId xmlns:a16="http://schemas.microsoft.com/office/drawing/2014/main" id="{5E61E128-37F7-4645-9B49-1646136365A4}"/>
+                  </a:ext>
+                </a:extLst>
+              </p:cNvPr>
+              <p:cNvSpPr txBox="1"/>
+              <p:nvPr/>
+            </p:nvSpPr>
+            <p:spPr>
+              <a:xfrm>
+                <a:off x="1226501" y="3579821"/>
+                <a:ext cx="9483478" cy="1602683"/>
+              </a:xfrm>
+              <a:prstGeom prst="rect">
+                <a:avLst/>
+              </a:prstGeom>
+              <a:noFill/>
+            </p:spPr>
+            <p:txBody>
+              <a:bodyPr wrap="square" rtlCol="0">
+                <a:spAutoFit/>
+              </a:bodyPr>
+              <a:lstStyle/>
+              <a:p>
+                <a14:m>
+                  <m:oMathPara xmlns:m="http://schemas.openxmlformats.org/officeDocument/2006/math">
+                    <m:oMathParaPr>
+                      <m:jc m:val="centerGroup"/>
+                    </m:oMathParaPr>
+                    <m:oMath xmlns:m="http://schemas.openxmlformats.org/officeDocument/2006/math">
+                      <m:d>
+                        <m:dPr>
+                          <m:begChr m:val="{"/>
+                          <m:endChr m:val=""/>
+                          <m:ctrlPr>
+                            <a:rPr lang="en-US" altLang="zh-CN" sz="4400" i="1">
+                              <a:solidFill>
+                                <a:srgbClr val="FF0000"/>
+                              </a:solidFill>
+                              <a:latin typeface="Cambria Math" panose="02040503050406030204" pitchFamily="18" charset="0"/>
+                              <a:ea typeface="Adobe 宋体 Std L" panose="02020300000000000000" pitchFamily="18" charset="-122"/>
+                            </a:rPr>
+                          </m:ctrlPr>
+                        </m:dPr>
+                        <m:e>
+                          <m:eqArr>
+                            <m:eqArrPr>
+                              <m:ctrlPr>
+                                <a:rPr lang="en-US" altLang="zh-CN" sz="4400" i="1">
+                                  <a:solidFill>
+                                    <a:srgbClr val="FF0000"/>
+                                  </a:solidFill>
+                                  <a:latin typeface="Cambria Math" panose="02040503050406030204" pitchFamily="18" charset="0"/>
+                                  <a:ea typeface="Adobe 宋体 Std L" panose="02020300000000000000" pitchFamily="18" charset="-122"/>
+                                </a:rPr>
+                              </m:ctrlPr>
+                            </m:eqArrPr>
+                            <m:e>
+                              <m:r>
+                                <m:rPr>
+                                  <m:nor/>
+                                </m:rPr>
+                                <a:rPr lang="en-US" altLang="zh-CN" sz="4400">
+                                  <a:solidFill>
+                                    <a:srgbClr val="FF0000"/>
+                                  </a:solidFill>
+                                  <a:latin typeface="Cambria Math" panose="02040503050406030204" pitchFamily="18" charset="0"/>
+                                  <a:ea typeface="Adobe 宋体 Std L" panose="02020300000000000000" pitchFamily="18" charset="-122"/>
+                                </a:rPr>
+                                <m:t>F</m:t>
+                              </m:r>
+                              <m:r>
+                                <m:rPr>
+                                  <m:nor/>
+                                </m:rPr>
+                                <a:rPr lang="en-US" altLang="zh-CN" sz="4400">
+                                  <a:solidFill>
+                                    <a:srgbClr val="FF0000"/>
+                                  </a:solidFill>
+                                  <a:latin typeface="Cambria Math" panose="02040503050406030204" pitchFamily="18" charset="0"/>
+                                  <a:ea typeface="Adobe 宋体 Std L" panose="02020300000000000000" pitchFamily="18" charset="-122"/>
+                                </a:rPr>
+                                <m:t>(0) = 0</m:t>
+                              </m:r>
+                            </m:e>
+                            <m:e>
+                              <m:r>
+                                <a:rPr lang="en-US" altLang="zh-CN" sz="4400" i="1">
+                                  <a:solidFill>
+                                    <a:srgbClr val="FF0000"/>
+                                  </a:solidFill>
+                                  <a:latin typeface="Cambria Math" panose="02040503050406030204" pitchFamily="18" charset="0"/>
+                                  <a:ea typeface="Adobe 宋体 Std L" panose="02020300000000000000" pitchFamily="18" charset="-122"/>
+                                </a:rPr>
+                                <m:t>𝐹</m:t>
+                              </m:r>
+                              <m:d>
+                                <m:dPr>
+                                  <m:ctrlPr>
+                                    <a:rPr lang="en-US" altLang="zh-CN" sz="4400" i="1">
+                                      <a:solidFill>
+                                        <a:srgbClr val="FF0000"/>
+                                      </a:solidFill>
+                                      <a:latin typeface="Cambria Math" panose="02040503050406030204" pitchFamily="18" charset="0"/>
+                                      <a:ea typeface="Adobe 宋体 Std L" panose="02020300000000000000" pitchFamily="18" charset="-122"/>
+                                    </a:rPr>
+                                  </m:ctrlPr>
+                                </m:dPr>
+                                <m:e>
+                                  <m:r>
+                                    <a:rPr lang="en-US" altLang="zh-CN" sz="4400" i="1">
+                                      <a:solidFill>
+                                        <a:srgbClr val="FF0000"/>
+                                      </a:solidFill>
+                                      <a:latin typeface="Cambria Math" panose="02040503050406030204" pitchFamily="18" charset="0"/>
+                                      <a:ea typeface="Adobe 宋体 Std L" panose="02020300000000000000" pitchFamily="18" charset="-122"/>
+                                    </a:rPr>
+                                    <m:t>𝑛</m:t>
+                                  </m:r>
+                                </m:e>
+                              </m:d>
+                              <m:r>
+                                <a:rPr lang="en-US" altLang="zh-CN" sz="4400" i="1">
+                                  <a:solidFill>
+                                    <a:srgbClr val="FF0000"/>
+                                  </a:solidFill>
+                                  <a:latin typeface="Cambria Math" panose="02040503050406030204" pitchFamily="18" charset="0"/>
+                                  <a:ea typeface="Adobe 宋体 Std L" panose="02020300000000000000" pitchFamily="18" charset="-122"/>
+                                </a:rPr>
+                                <m:t>=</m:t>
+                              </m:r>
+                              <m:r>
+                                <a:rPr lang="en-US" altLang="zh-CN" sz="4400" i="1">
+                                  <a:solidFill>
+                                    <a:srgbClr val="FF0000"/>
+                                  </a:solidFill>
+                                  <a:latin typeface="Cambria Math" panose="02040503050406030204" pitchFamily="18" charset="0"/>
+                                  <a:ea typeface="Adobe 宋体 Std L" panose="02020300000000000000" pitchFamily="18" charset="-122"/>
+                                </a:rPr>
+                                <m:t>𝐹</m:t>
+                              </m:r>
+                              <m:d>
+                                <m:dPr>
+                                  <m:ctrlPr>
+                                    <a:rPr lang="en-US" altLang="zh-CN" sz="4400" i="1">
+                                      <a:solidFill>
+                                        <a:srgbClr val="FF0000"/>
+                                      </a:solidFill>
+                                      <a:latin typeface="Cambria Math" panose="02040503050406030204" pitchFamily="18" charset="0"/>
+                                      <a:ea typeface="Adobe 宋体 Std L" panose="02020300000000000000" pitchFamily="18" charset="-122"/>
+                                    </a:rPr>
+                                  </m:ctrlPr>
+                                </m:dPr>
+                                <m:e>
+                                  <m:r>
+                                    <a:rPr lang="en-US" altLang="zh-CN" sz="4400" i="1">
+                                      <a:solidFill>
+                                        <a:srgbClr val="FF0000"/>
+                                      </a:solidFill>
+                                      <a:latin typeface="Cambria Math" panose="02040503050406030204" pitchFamily="18" charset="0"/>
+                                      <a:ea typeface="Adobe 宋体 Std L" panose="02020300000000000000" pitchFamily="18" charset="-122"/>
+                                    </a:rPr>
+                                    <m:t>𝑛</m:t>
+                                  </m:r>
+                                  <m:r>
+                                    <a:rPr lang="en-US" altLang="zh-CN" sz="4400" i="1">
+                                      <a:solidFill>
+                                        <a:srgbClr val="FF0000"/>
+                                      </a:solidFill>
+                                      <a:latin typeface="Cambria Math" panose="02040503050406030204" pitchFamily="18" charset="0"/>
+                                      <a:ea typeface="Adobe 宋体 Std L" panose="02020300000000000000" pitchFamily="18" charset="-122"/>
+                                    </a:rPr>
+                                    <m:t>−1</m:t>
+                                  </m:r>
+                                </m:e>
+                              </m:d>
+                              <m:r>
+                                <a:rPr lang="en-US" altLang="zh-CN" sz="4400" i="1">
+                                  <a:solidFill>
+                                    <a:srgbClr val="FF0000"/>
+                                  </a:solidFill>
+                                  <a:latin typeface="Cambria Math" panose="02040503050406030204" pitchFamily="18" charset="0"/>
+                                  <a:ea typeface="Adobe 宋体 Std L" panose="02020300000000000000" pitchFamily="18" charset="-122"/>
+                                </a:rPr>
+                                <m:t>+1</m:t>
+                              </m:r>
+                            </m:e>
+                          </m:eqArr>
+                        </m:e>
+                      </m:d>
+                    </m:oMath>
+                  </m:oMathPara>
+                </a14:m>
+                <a:endParaRPr lang="zh-CN" altLang="en-US" dirty="0"/>
+              </a:p>
+            </p:txBody>
+          </p:sp>
+        </mc:Choice>
+        <mc:Fallback>
+          <p:sp>
+            <p:nvSpPr>
+              <p:cNvPr id="5" name="文本框 4">
+                <a:extLst>
+                  <a:ext uri="{FF2B5EF4-FFF2-40B4-BE49-F238E27FC236}">
+                    <a16:creationId xmlns:a16="http://schemas.microsoft.com/office/drawing/2014/main" id="{5E61E128-37F7-4645-9B49-1646136365A4}"/>
+                  </a:ext>
+                </a:extLst>
+              </p:cNvPr>
+              <p:cNvSpPr txBox="1">
+                <a:spLocks noRot="1" noChangeAspect="1" noMove="1" noResize="1" noEditPoints="1" noAdjustHandles="1" noChangeArrowheads="1" noChangeShapeType="1" noTextEdit="1"/>
+              </p:cNvSpPr>
+              <p:nvPr/>
+            </p:nvSpPr>
+            <p:spPr>
+              <a:xfrm>
+                <a:off x="1226501" y="3579821"/>
+                <a:ext cx="9483478" cy="1602683"/>
+              </a:xfrm>
+              <a:prstGeom prst="rect">
+                <a:avLst/>
+              </a:prstGeom>
+              <a:blipFill>
+                <a:blip r:embed="rId2"/>
+                <a:stretch>
+                  <a:fillRect/>
+                </a:stretch>
+              </a:blipFill>
+            </p:spPr>
+            <p:txBody>
+              <a:bodyPr/>
+              <a:lstStyle/>
+              <a:p>
+                <a:r>
+                  <a:rPr lang="zh-CN" altLang="en-US">
+                    <a:noFill/>
+                  </a:rPr>
+                  <a:t> </a:t>
+                </a:r>
+              </a:p>
+            </p:txBody>
+          </p:sp>
+        </mc:Fallback>
+      </mc:AlternateContent>
+    </p:spTree>
+    <p:extLst>
+      <p:ext uri="{BB962C8B-B14F-4D97-AF65-F5344CB8AC3E}">
+        <p14:creationId xmlns:p14="http://schemas.microsoft.com/office/powerpoint/2010/main" val="875654754"/>
+      </p:ext>
+    </p:extLst>
+  </p:cSld>
+  <p:clrMapOvr>
+    <a:masterClrMapping/>
+  </p:clrMapOvr>
+</p:sld>
+</file>
+
+<file path=ppt/slides/slide8.xml><?xml version="1.0" encoding="utf-8"?>
+<p:sld xmlns:a="http://schemas.openxmlformats.org/drawingml/2006/main" xmlns:r="http://schemas.openxmlformats.org/officeDocument/2006/relationships" xmlns:p="http://schemas.openxmlformats.org/presentationml/2006/main">
+  <p:cSld>
+    <p:spTree>
+      <p:nvGrpSpPr>
+        <p:cNvPr id="1" name=""/>
+        <p:cNvGrpSpPr/>
+        <p:nvPr/>
+      </p:nvGrpSpPr>
+      <p:grpSpPr>
+        <a:xfrm>
+          <a:off x="0" y="0"/>
+          <a:ext cx="0" cy="0"/>
+          <a:chOff x="0" y="0"/>
+          <a:chExt cx="0" cy="0"/>
+        </a:xfrm>
+      </p:grpSpPr>
+      <p:sp>
+        <p:nvSpPr>
+          <p:cNvPr id="2" name="标题 1">
+            <a:extLst>
+              <a:ext uri="{FF2B5EF4-FFF2-40B4-BE49-F238E27FC236}">
+                <a16:creationId xmlns:a16="http://schemas.microsoft.com/office/drawing/2014/main" id="{FFE90805-E3A2-47F0-A0A4-B88EBA867C6D}"/>
+              </a:ext>
+            </a:extLst>
+          </p:cNvPr>
+          <p:cNvSpPr>
+            <a:spLocks noGrp="1"/>
+          </p:cNvSpPr>
+          <p:nvPr>
+            <p:ph type="title"/>
+          </p:nvPr>
+        </p:nvSpPr>
+        <p:spPr/>
+        <p:txBody>
+          <a:bodyPr/>
+          <a:lstStyle/>
+          <a:p>
+            <a:pPr algn="ctr"/>
+            <a:r>
+              <a:rPr lang="zh-CN" altLang="en-US" b="1" dirty="0">
+                <a:latin typeface="新宋体" panose="02010609030101010101" pitchFamily="49" charset="-122"/>
+                <a:ea typeface="新宋体" panose="02010609030101010101" pitchFamily="49" charset="-122"/>
+              </a:rPr>
+              <a:t>最大公约数</a:t>
+            </a:r>
+            <a:r>
+              <a:rPr lang="en-US" altLang="zh-CN" b="1" dirty="0">
+                <a:latin typeface="新宋体" panose="02010609030101010101" pitchFamily="49" charset="-122"/>
+                <a:ea typeface="新宋体" panose="02010609030101010101" pitchFamily="49" charset="-122"/>
+              </a:rPr>
+              <a:t>(GCD)</a:t>
+            </a:r>
+            <a:endParaRPr lang="zh-CN" altLang="en-US" b="1" dirty="0">
+              <a:latin typeface="新宋体" panose="02010609030101010101" pitchFamily="49" charset="-122"/>
+              <a:ea typeface="新宋体" panose="02010609030101010101" pitchFamily="49" charset="-122"/>
+            </a:endParaRPr>
+          </a:p>
+        </p:txBody>
+      </p:sp>
+      <p:sp>
+        <p:nvSpPr>
+          <p:cNvPr id="3" name="内容占位符 2">
+            <a:extLst>
+              <a:ext uri="{FF2B5EF4-FFF2-40B4-BE49-F238E27FC236}">
+                <a16:creationId xmlns:a16="http://schemas.microsoft.com/office/drawing/2014/main" id="{0B15D806-3F0D-4256-AC29-A8803B55E667}"/>
+              </a:ext>
+            </a:extLst>
+          </p:cNvPr>
+          <p:cNvSpPr>
+            <a:spLocks noGrp="1"/>
+          </p:cNvSpPr>
+          <p:nvPr>
+            <p:ph idx="1"/>
+          </p:nvPr>
+        </p:nvSpPr>
+        <p:spPr/>
+        <p:txBody>
+          <a:bodyPr/>
+          <a:lstStyle/>
+          <a:p>
+            <a:pPr marL="0" indent="0">
+              <a:buNone/>
+            </a:pPr>
+            <a:r>
+              <a:rPr lang="zh-CN" altLang="en-US" b="1" dirty="0"/>
+              <a:t>更相减损术</a:t>
+            </a:r>
+            <a:endParaRPr lang="en-US" altLang="zh-CN" b="1" dirty="0"/>
+          </a:p>
+          <a:p>
+            <a:pPr marL="0" indent="0">
+              <a:buNone/>
+            </a:pPr>
+            <a:r>
+              <a:rPr lang="en-US" altLang="zh-CN" dirty="0"/>
+              <a:t>	</a:t>
+            </a:r>
+            <a:r>
+              <a:rPr lang="zh-CN" altLang="en-US" dirty="0"/>
+              <a:t>可半者半之，不可半者，副置分母、子之数，以少减多，更相减损，求其等也。以等数约之。</a:t>
+            </a:r>
+            <a:endParaRPr lang="en-US" altLang="zh-CN" dirty="0"/>
+          </a:p>
+          <a:p>
+            <a:pPr marL="0" indent="0">
+              <a:buNone/>
+            </a:pPr>
+            <a:endParaRPr lang="en-US" altLang="zh-CN" b="1" dirty="0"/>
+          </a:p>
+          <a:p>
+            <a:pPr marL="0" indent="0">
+              <a:buNone/>
+            </a:pPr>
+            <a:r>
+              <a:rPr lang="zh-CN" altLang="en-US" b="1" dirty="0"/>
+              <a:t>辗转相除法</a:t>
+            </a:r>
+            <a:endParaRPr lang="en-US" altLang="zh-CN" b="1" dirty="0"/>
+          </a:p>
+          <a:p>
+            <a:pPr marL="0" indent="0">
+              <a:buNone/>
+            </a:pPr>
+            <a:endParaRPr lang="en-US" altLang="zh-CN" dirty="0"/>
+          </a:p>
+          <a:p>
+            <a:pPr marL="0" indent="0">
+              <a:buNone/>
+            </a:pPr>
+            <a:endParaRPr lang="zh-CN" altLang="en-US" dirty="0"/>
+          </a:p>
+        </p:txBody>
+      </p:sp>
+    </p:spTree>
+    <p:extLst>
+      <p:ext uri="{BB962C8B-B14F-4D97-AF65-F5344CB8AC3E}">
+        <p14:creationId xmlns:p14="http://schemas.microsoft.com/office/powerpoint/2010/main" val="479321348"/>
       </p:ext>
     </p:extLst>
   </p:cSld>

--- a/递归.pptx
+++ b/递归.pptx
@@ -12,7 +12,9 @@
     <p:sldId id="260" r:id="rId6"/>
     <p:sldId id="261" r:id="rId7"/>
     <p:sldId id="263" r:id="rId8"/>
-    <p:sldId id="262" r:id="rId9"/>
+    <p:sldId id="264" r:id="rId9"/>
+    <p:sldId id="265" r:id="rId10"/>
+    <p:sldId id="262" r:id="rId11"/>
   </p:sldIdLst>
   <p:sldSz cx="12192000" cy="6858000"/>
   <p:notesSz cx="6858000" cy="9144000"/>
@@ -6125,6 +6127,156 @@
 </p:sld>
 </file>
 
+<file path=ppt/slides/slide10.xml><?xml version="1.0" encoding="utf-8"?>
+<p:sld xmlns:a="http://schemas.openxmlformats.org/drawingml/2006/main" xmlns:r="http://schemas.openxmlformats.org/officeDocument/2006/relationships" xmlns:p="http://schemas.openxmlformats.org/presentationml/2006/main">
+  <p:cSld>
+    <p:spTree>
+      <p:nvGrpSpPr>
+        <p:cNvPr id="1" name=""/>
+        <p:cNvGrpSpPr/>
+        <p:nvPr/>
+      </p:nvGrpSpPr>
+      <p:grpSpPr>
+        <a:xfrm>
+          <a:off x="0" y="0"/>
+          <a:ext cx="0" cy="0"/>
+          <a:chOff x="0" y="0"/>
+          <a:chExt cx="0" cy="0"/>
+        </a:xfrm>
+      </p:grpSpPr>
+      <p:sp>
+        <p:nvSpPr>
+          <p:cNvPr id="2" name="标题 1">
+            <a:extLst>
+              <a:ext uri="{FF2B5EF4-FFF2-40B4-BE49-F238E27FC236}">
+                <a16:creationId xmlns:a16="http://schemas.microsoft.com/office/drawing/2014/main" id="{FFE90805-E3A2-47F0-A0A4-B88EBA867C6D}"/>
+              </a:ext>
+            </a:extLst>
+          </p:cNvPr>
+          <p:cNvSpPr>
+            <a:spLocks noGrp="1"/>
+          </p:cNvSpPr>
+          <p:nvPr>
+            <p:ph type="title"/>
+          </p:nvPr>
+        </p:nvSpPr>
+        <p:spPr/>
+        <p:txBody>
+          <a:bodyPr/>
+          <a:lstStyle/>
+          <a:p>
+            <a:pPr algn="ctr"/>
+            <a:r>
+              <a:rPr lang="zh-CN" altLang="en-US" b="1" dirty="0">
+                <a:latin typeface="新宋体" panose="02010609030101010101" pitchFamily="49" charset="-122"/>
+                <a:ea typeface="新宋体" panose="02010609030101010101" pitchFamily="49" charset="-122"/>
+              </a:rPr>
+              <a:t>最大公约数</a:t>
+            </a:r>
+            <a:r>
+              <a:rPr lang="en-US" altLang="zh-CN" b="1" dirty="0">
+                <a:latin typeface="新宋体" panose="02010609030101010101" pitchFamily="49" charset="-122"/>
+                <a:ea typeface="新宋体" panose="02010609030101010101" pitchFamily="49" charset="-122"/>
+              </a:rPr>
+              <a:t>(GCD)</a:t>
+            </a:r>
+            <a:endParaRPr lang="zh-CN" altLang="en-US" b="1" dirty="0">
+              <a:latin typeface="新宋体" panose="02010609030101010101" pitchFamily="49" charset="-122"/>
+              <a:ea typeface="新宋体" panose="02010609030101010101" pitchFamily="49" charset="-122"/>
+            </a:endParaRPr>
+          </a:p>
+        </p:txBody>
+      </p:sp>
+      <p:sp>
+        <p:nvSpPr>
+          <p:cNvPr id="3" name="内容占位符 2">
+            <a:extLst>
+              <a:ext uri="{FF2B5EF4-FFF2-40B4-BE49-F238E27FC236}">
+                <a16:creationId xmlns:a16="http://schemas.microsoft.com/office/drawing/2014/main" id="{0B15D806-3F0D-4256-AC29-A8803B55E667}"/>
+              </a:ext>
+            </a:extLst>
+          </p:cNvPr>
+          <p:cNvSpPr>
+            <a:spLocks noGrp="1"/>
+          </p:cNvSpPr>
+          <p:nvPr>
+            <p:ph idx="1"/>
+          </p:nvPr>
+        </p:nvSpPr>
+        <p:spPr/>
+        <p:txBody>
+          <a:bodyPr/>
+          <a:lstStyle/>
+          <a:p>
+            <a:pPr marL="0" indent="0">
+              <a:buNone/>
+            </a:pPr>
+            <a:r>
+              <a:rPr lang="zh-CN" altLang="en-US" b="1" dirty="0"/>
+              <a:t>更相减损术</a:t>
+            </a:r>
+            <a:endParaRPr lang="en-US" altLang="zh-CN" b="1" dirty="0"/>
+          </a:p>
+          <a:p>
+            <a:pPr marL="0" indent="0">
+              <a:buNone/>
+            </a:pPr>
+            <a:r>
+              <a:rPr lang="en-US" altLang="zh-CN" dirty="0"/>
+              <a:t>	</a:t>
+            </a:r>
+            <a:r>
+              <a:rPr lang="zh-CN" altLang="en-US" dirty="0"/>
+              <a:t>可半者半之，不可半者，副置分母、子之数，以少减多，更相减损，求其等也。以等数约之。</a:t>
+            </a:r>
+            <a:endParaRPr lang="en-US" altLang="zh-CN" dirty="0"/>
+          </a:p>
+          <a:p>
+            <a:pPr marL="0" indent="0">
+              <a:buNone/>
+            </a:pPr>
+            <a:endParaRPr lang="en-US" altLang="zh-CN" b="1" dirty="0"/>
+          </a:p>
+          <a:p>
+            <a:pPr marL="0" indent="0">
+              <a:buNone/>
+            </a:pPr>
+            <a:r>
+              <a:rPr lang="zh-CN" altLang="en-US" b="1" dirty="0"/>
+              <a:t>辗转相除法</a:t>
+            </a:r>
+            <a:endParaRPr lang="en-US" altLang="zh-CN" b="1" dirty="0"/>
+          </a:p>
+          <a:p>
+            <a:pPr marL="0" indent="0">
+              <a:buNone/>
+            </a:pPr>
+            <a:r>
+              <a:rPr lang="en-US" altLang="zh-CN" dirty="0"/>
+              <a:t>	</a:t>
+            </a:r>
+          </a:p>
+          <a:p>
+            <a:pPr marL="0" indent="0">
+              <a:buNone/>
+            </a:pPr>
+            <a:endParaRPr lang="zh-CN" altLang="en-US" dirty="0"/>
+          </a:p>
+        </p:txBody>
+      </p:sp>
+    </p:spTree>
+    <p:extLst>
+      <p:ext uri="{BB962C8B-B14F-4D97-AF65-F5344CB8AC3E}">
+        <p14:creationId xmlns:p14="http://schemas.microsoft.com/office/powerpoint/2010/main" val="479321348"/>
+      </p:ext>
+    </p:extLst>
+  </p:cSld>
+  <p:clrMapOvr>
+    <a:masterClrMapping/>
+  </p:clrMapOvr>
+</p:sld>
+</file>
+
 <file path=ppt/slides/slide2.xml><?xml version="1.0" encoding="utf-8"?>
 <p:sld xmlns:a="http://schemas.openxmlformats.org/drawingml/2006/main" xmlns:r="http://schemas.openxmlformats.org/officeDocument/2006/relationships" xmlns:p="http://schemas.openxmlformats.org/presentationml/2006/main">
   <p:cSld>
@@ -6836,8 +6988,8 @@
           </a:p>
         </p:txBody>
       </p:sp>
-      <mc:AlternateContent xmlns:mc="http://schemas.openxmlformats.org/markup-compatibility/2006">
-        <mc:Choice xmlns:a14="http://schemas.microsoft.com/office/drawing/2010/main" Requires="a14">
+      <mc:AlternateContent xmlns:mc="http://schemas.openxmlformats.org/markup-compatibility/2006" xmlns:a14="http://schemas.microsoft.com/office/drawing/2010/main">
+        <mc:Choice Requires="a14">
           <p:sp>
             <p:nvSpPr>
               <p:cNvPr id="3" name="内容占位符 2">
@@ -7119,7 +7271,7 @@
             </p:txBody>
           </p:sp>
         </mc:Choice>
-        <mc:Fallback>
+        <mc:Fallback xmlns="">
           <p:sp>
             <p:nvSpPr>
               <p:cNvPr id="3" name="内容占位符 2">
@@ -7277,7 +7429,7 @@
             </p:nvSpPr>
             <p:spPr>
               <a:xfrm>
-                <a:off x="1226501" y="3579821"/>
+                <a:off x="-1193648" y="3039687"/>
                 <a:ext cx="9483478" cy="1602683"/>
               </a:xfrm>
               <a:prstGeom prst="rect">
@@ -7291,6 +7443,7 @@
               </a:bodyPr>
               <a:lstStyle/>
               <a:p>
+                <a:pPr/>
                 <a14:m>
                   <m:oMathPara xmlns:m="http://schemas.openxmlformats.org/officeDocument/2006/math">
                     <m:oMathParaPr>
@@ -7315,7 +7468,7 @@
                           <m:eqArr>
                             <m:eqArrPr>
                               <m:ctrlPr>
-                                <a:rPr lang="en-US" altLang="zh-CN" sz="4400" i="1">
+                                <a:rPr lang="en-US" altLang="zh-CN" sz="4400" i="1" smtClean="0">
                                   <a:solidFill>
                                     <a:srgbClr val="FF0000"/>
                                   </a:solidFill>
@@ -7349,7 +7502,40 @@
                                   <a:latin typeface="Cambria Math" panose="02040503050406030204" pitchFamily="18" charset="0"/>
                                   <a:ea typeface="Adobe 宋体 Std L" panose="02020300000000000000" pitchFamily="18" charset="-122"/>
                                 </a:rPr>
-                                <m:t>(0) = 0</m:t>
+                                <m:t>(</m:t>
+                              </m:r>
+                              <m:r>
+                                <a:rPr lang="en-US" altLang="zh-CN" sz="4400" i="1">
+                                  <a:solidFill>
+                                    <a:srgbClr val="FF0000"/>
+                                  </a:solidFill>
+                                  <a:latin typeface="Cambria Math" panose="02040503050406030204" pitchFamily="18" charset="0"/>
+                                  <a:ea typeface="Adobe 宋体 Std L" panose="02020300000000000000" pitchFamily="18" charset="-122"/>
+                                </a:rPr>
+                                <m:t>1</m:t>
+                              </m:r>
+                              <m:r>
+                                <m:rPr>
+                                  <m:nor/>
+                                </m:rPr>
+                                <a:rPr lang="en-US" altLang="zh-CN" sz="4400">
+                                  <a:solidFill>
+                                    <a:srgbClr val="FF0000"/>
+                                  </a:solidFill>
+                                  <a:latin typeface="Cambria Math" panose="02040503050406030204" pitchFamily="18" charset="0"/>
+                                  <a:ea typeface="Adobe 宋体 Std L" panose="02020300000000000000" pitchFamily="18" charset="-122"/>
+                                </a:rPr>
+                                <m:t>) = </m:t>
+                              </m:r>
+                              <m:r>
+                                <a:rPr lang="en-US" altLang="zh-CN" sz="4400" i="1">
+                                  <a:solidFill>
+                                    <a:srgbClr val="FF0000"/>
+                                  </a:solidFill>
+                                  <a:latin typeface="Cambria Math" panose="02040503050406030204" pitchFamily="18" charset="0"/>
+                                  <a:ea typeface="Adobe 宋体 Std L" panose="02020300000000000000" pitchFamily="18" charset="-122"/>
+                                </a:rPr>
+                                <m:t>1</m:t>
                               </m:r>
                             </m:e>
                             <m:e>
@@ -7451,7 +7637,20 @@
                                   <a:latin typeface="Cambria Math" panose="02040503050406030204" pitchFamily="18" charset="0"/>
                                   <a:ea typeface="Adobe 宋体 Std L" panose="02020300000000000000" pitchFamily="18" charset="-122"/>
                                 </a:rPr>
-                                <m:t>+1</m:t>
+                                <m:t>+</m:t>
+                              </m:r>
+                              <m:r>
+                                <m:rPr>
+                                  <m:sty m:val="p"/>
+                                </m:rPr>
+                                <a:rPr lang="en-US" altLang="zh-CN" sz="4400" i="1">
+                                  <a:solidFill>
+                                    <a:srgbClr val="FF0000"/>
+                                  </a:solidFill>
+                                  <a:latin typeface="Cambria Math" panose="02040503050406030204" pitchFamily="18" charset="0"/>
+                                  <a:ea typeface="Adobe 宋体 Std L" panose="02020300000000000000" pitchFamily="18" charset="-122"/>
+                                </a:rPr>
+                                <m:t>n</m:t>
                               </m:r>
                             </m:e>
                           </m:eqArr>
@@ -7482,7 +7681,7 @@
             </p:nvSpPr>
             <p:spPr>
               <a:xfrm>
-                <a:off x="1226501" y="3579821"/>
+                <a:off x="-1193648" y="3039687"/>
                 <a:ext cx="9483478" cy="1602683"/>
               </a:xfrm>
               <a:prstGeom prst="rect">
@@ -7510,6 +7709,44 @@
           </p:sp>
         </mc:Fallback>
       </mc:AlternateContent>
+      <p:sp>
+        <p:nvSpPr>
+          <p:cNvPr id="4" name="文本框 3">
+            <a:extLst>
+              <a:ext uri="{FF2B5EF4-FFF2-40B4-BE49-F238E27FC236}">
+                <a16:creationId xmlns:a16="http://schemas.microsoft.com/office/drawing/2014/main" id="{2EC31F25-D79E-45C3-9F1E-7CE404D0A662}"/>
+              </a:ext>
+            </a:extLst>
+          </p:cNvPr>
+          <p:cNvSpPr txBox="1"/>
+          <p:nvPr/>
+        </p:nvSpPr>
+        <p:spPr>
+          <a:xfrm>
+            <a:off x="10775684" y="6123543"/>
+            <a:ext cx="646331" cy="369332"/>
+          </a:xfrm>
+          <a:prstGeom prst="rect">
+            <a:avLst/>
+          </a:prstGeom>
+          <a:noFill/>
+        </p:spPr>
+        <p:txBody>
+          <a:bodyPr wrap="none" rtlCol="0">
+            <a:spAutoFit/>
+          </a:bodyPr>
+          <a:lstStyle/>
+          <a:p>
+            <a:r>
+              <a:rPr lang="zh-CN" altLang="en-US" dirty="0">
+                <a:hlinkClick r:id="rId3" action="ppaction://hlinkfile"/>
+              </a:rPr>
+              <a:t>代码</a:t>
+            </a:r>
+            <a:endParaRPr lang="zh-CN" altLang="en-US" dirty="0"/>
+          </a:p>
+        </p:txBody>
+      </p:sp>
     </p:spTree>
     <p:extLst>
       <p:ext uri="{BB962C8B-B14F-4D97-AF65-F5344CB8AC3E}">
@@ -7545,7 +7782,7 @@
           <p:cNvPr id="2" name="标题 1">
             <a:extLst>
               <a:ext uri="{FF2B5EF4-FFF2-40B4-BE49-F238E27FC236}">
-                <a16:creationId xmlns:a16="http://schemas.microsoft.com/office/drawing/2014/main" id="{FFE90805-E3A2-47F0-A0A4-B88EBA867C6D}"/>
+                <a16:creationId xmlns:a16="http://schemas.microsoft.com/office/drawing/2014/main" id="{DADFB1C1-DA93-4D7D-B12C-F77B545B84C5}"/>
               </a:ext>
             </a:extLst>
           </p:cNvPr>
@@ -7563,23 +7800,182 @@
           <a:p>
             <a:pPr algn="ctr"/>
             <a:r>
-              <a:rPr lang="zh-CN" altLang="en-US" b="1" dirty="0">
-                <a:latin typeface="新宋体" panose="02010609030101010101" pitchFamily="49" charset="-122"/>
-                <a:ea typeface="新宋体" panose="02010609030101010101" pitchFamily="49" charset="-122"/>
+              <a:rPr lang="zh-CN" altLang="en-US" dirty="0"/>
+              <a:t>汉诺塔 </a:t>
+            </a:r>
+            <a:r>
+              <a:rPr lang="en-US" altLang="zh-CN" dirty="0"/>
+              <a:t>(hanoi)</a:t>
+            </a:r>
+            <a:endParaRPr lang="zh-CN" altLang="en-US" dirty="0"/>
+          </a:p>
+        </p:txBody>
+      </p:sp>
+      <p:sp>
+        <p:nvSpPr>
+          <p:cNvPr id="5" name="文本框 4">
+            <a:extLst>
+              <a:ext uri="{FF2B5EF4-FFF2-40B4-BE49-F238E27FC236}">
+                <a16:creationId xmlns:a16="http://schemas.microsoft.com/office/drawing/2014/main" id="{AF5B8B2D-B670-46FF-BD74-56C7B84FC90A}"/>
+              </a:ext>
+            </a:extLst>
+          </p:cNvPr>
+          <p:cNvSpPr txBox="1"/>
+          <p:nvPr/>
+        </p:nvSpPr>
+        <p:spPr>
+          <a:xfrm>
+            <a:off x="9160830" y="5240442"/>
+            <a:ext cx="1723549" cy="1015663"/>
+          </a:xfrm>
+          <a:prstGeom prst="rect">
+            <a:avLst/>
+          </a:prstGeom>
+          <a:noFill/>
+        </p:spPr>
+        <p:txBody>
+          <a:bodyPr wrap="none" rtlCol="0">
+            <a:spAutoFit/>
+          </a:bodyPr>
+          <a:lstStyle/>
+          <a:p>
+            <a:r>
+              <a:rPr lang="zh-CN" altLang="en-US" sz="2000" dirty="0">
+                <a:hlinkClick r:id="rId2"/>
               </a:rPr>
-              <a:t>最大公约数</a:t>
-            </a:r>
-            <a:r>
-              <a:rPr lang="en-US" altLang="zh-CN" b="1" dirty="0">
-                <a:latin typeface="新宋体" panose="02010609030101010101" pitchFamily="49" charset="-122"/>
-                <a:ea typeface="新宋体" panose="02010609030101010101" pitchFamily="49" charset="-122"/>
+              <a:t>汉诺塔小游戏</a:t>
+            </a:r>
+            <a:endParaRPr lang="en-US" altLang="zh-CN" sz="2000" dirty="0"/>
+          </a:p>
+          <a:p>
+            <a:endParaRPr lang="en-US" altLang="zh-CN" sz="2000" dirty="0"/>
+          </a:p>
+          <a:p>
+            <a:r>
+              <a:rPr lang="zh-CN" altLang="en-US" sz="2000" b="1" dirty="0">
+                <a:hlinkClick r:id="rId3" action="ppaction://hlinkfile"/>
               </a:rPr>
-              <a:t>(GCD)</a:t>
-            </a:r>
-            <a:endParaRPr lang="zh-CN" altLang="en-US" b="1" dirty="0">
-              <a:latin typeface="新宋体" panose="02010609030101010101" pitchFamily="49" charset="-122"/>
-              <a:ea typeface="新宋体" panose="02010609030101010101" pitchFamily="49" charset="-122"/>
-            </a:endParaRPr>
+              <a:t>代码</a:t>
+            </a:r>
+            <a:endParaRPr lang="zh-CN" altLang="en-US" sz="2000" b="1" dirty="0"/>
+          </a:p>
+        </p:txBody>
+      </p:sp>
+      <p:pic>
+        <p:nvPicPr>
+          <p:cNvPr id="1025" name="Picture 1" descr="C:\Users\zhaop\AppData\Local\Packages\Microsoft.Office.OneNote_8wekyb3d8bbwe\TempState\msohtmlclip\clip_image001.png">
+            <a:extLst>
+              <a:ext uri="{FF2B5EF4-FFF2-40B4-BE49-F238E27FC236}">
+                <a16:creationId xmlns:a16="http://schemas.microsoft.com/office/drawing/2014/main" id="{2636943E-BD21-4714-95BC-CFA6A9FC6F68}"/>
+              </a:ext>
+            </a:extLst>
+          </p:cNvPr>
+          <p:cNvPicPr>
+            <a:picLocks noGrp="1" noChangeAspect="1" noChangeArrowheads="1"/>
+          </p:cNvPicPr>
+          <p:nvPr>
+            <p:ph idx="1"/>
+          </p:nvPr>
+        </p:nvPicPr>
+        <p:blipFill>
+          <a:blip r:embed="rId4">
+            <a:extLst>
+              <a:ext uri="{28A0092B-C50C-407E-A947-70E740481C1C}">
+                <a14:useLocalDpi xmlns:a14="http://schemas.microsoft.com/office/drawing/2010/main" val="0"/>
+              </a:ext>
+            </a:extLst>
+          </a:blip>
+          <a:srcRect/>
+          <a:stretch>
+            <a:fillRect/>
+          </a:stretch>
+        </p:blipFill>
+        <p:spPr bwMode="auto">
+          <a:xfrm>
+            <a:off x="1277702" y="1623370"/>
+            <a:ext cx="6615801" cy="4685067"/>
+          </a:xfrm>
+          <a:prstGeom prst="rect">
+            <a:avLst/>
+          </a:prstGeom>
+          <a:noFill/>
+          <a:extLst>
+            <a:ext uri="{909E8E84-426E-40DD-AFC4-6F175D3DCCD1}">
+              <a14:hiddenFill xmlns:a14="http://schemas.microsoft.com/office/drawing/2010/main">
+                <a:solidFill>
+                  <a:srgbClr val="FFFFFF"/>
+                </a:solidFill>
+              </a14:hiddenFill>
+            </a:ext>
+          </a:extLst>
+        </p:spPr>
+      </p:pic>
+    </p:spTree>
+    <p:extLst>
+      <p:ext uri="{BB962C8B-B14F-4D97-AF65-F5344CB8AC3E}">
+        <p14:creationId xmlns:p14="http://schemas.microsoft.com/office/powerpoint/2010/main" val="3579139739"/>
+      </p:ext>
+    </p:extLst>
+  </p:cSld>
+  <p:clrMapOvr>
+    <a:masterClrMapping/>
+  </p:clrMapOvr>
+</p:sld>
+</file>
+
+<file path=ppt/slides/slide9.xml><?xml version="1.0" encoding="utf-8"?>
+<p:sld xmlns:a="http://schemas.openxmlformats.org/drawingml/2006/main" xmlns:r="http://schemas.openxmlformats.org/officeDocument/2006/relationships" xmlns:p="http://schemas.openxmlformats.org/presentationml/2006/main">
+  <p:cSld>
+    <p:spTree>
+      <p:nvGrpSpPr>
+        <p:cNvPr id="1" name=""/>
+        <p:cNvGrpSpPr/>
+        <p:nvPr/>
+      </p:nvGrpSpPr>
+      <p:grpSpPr>
+        <a:xfrm>
+          <a:off x="0" y="0"/>
+          <a:ext cx="0" cy="0"/>
+          <a:chOff x="0" y="0"/>
+          <a:chExt cx="0" cy="0"/>
+        </a:xfrm>
+      </p:grpSpPr>
+      <p:sp>
+        <p:nvSpPr>
+          <p:cNvPr id="2" name="标题 1">
+            <a:extLst>
+              <a:ext uri="{FF2B5EF4-FFF2-40B4-BE49-F238E27FC236}">
+                <a16:creationId xmlns:a16="http://schemas.microsoft.com/office/drawing/2014/main" id="{C2F028F4-05BB-4529-B72D-3F6C9FF03440}"/>
+              </a:ext>
+            </a:extLst>
+          </p:cNvPr>
+          <p:cNvSpPr>
+            <a:spLocks noGrp="1"/>
+          </p:cNvSpPr>
+          <p:nvPr>
+            <p:ph type="title"/>
+          </p:nvPr>
+        </p:nvSpPr>
+        <p:spPr>
+          <a:xfrm>
+            <a:off x="838200" y="421525"/>
+            <a:ext cx="10515600" cy="1325563"/>
+          </a:xfrm>
+        </p:spPr>
+        <p:txBody>
+          <a:bodyPr/>
+          <a:lstStyle/>
+          <a:p>
+            <a:pPr algn="ctr"/>
+            <a:r>
+              <a:rPr lang="zh-CN" altLang="en-US" dirty="0"/>
+              <a:t>斐波那契数列 </a:t>
+            </a:r>
+            <a:r>
+              <a:rPr lang="en-US" altLang="zh-CN" dirty="0"/>
+              <a:t>( 48 )</a:t>
+            </a:r>
+            <a:endParaRPr lang="zh-CN" altLang="en-US" dirty="0"/>
           </a:p>
         </p:txBody>
       </p:sp>
@@ -7588,7 +7984,7 @@
           <p:cNvPr id="3" name="内容占位符 2">
             <a:extLst>
               <a:ext uri="{FF2B5EF4-FFF2-40B4-BE49-F238E27FC236}">
-                <a16:creationId xmlns:a16="http://schemas.microsoft.com/office/drawing/2014/main" id="{0B15D806-3F0D-4256-AC29-A8803B55E667}"/>
+                <a16:creationId xmlns:a16="http://schemas.microsoft.com/office/drawing/2014/main" id="{BBA4080A-0A3C-4BE7-8B03-7F76CB4F0561}"/>
               </a:ext>
             </a:extLst>
           </p:cNvPr>
@@ -7604,63 +8000,33 @@
           <a:bodyPr/>
           <a:lstStyle/>
           <a:p>
-            <a:pPr marL="0" indent="0">
-              <a:buNone/>
-            </a:pPr>
-            <a:r>
-              <a:rPr lang="zh-CN" altLang="en-US" b="1" dirty="0"/>
-              <a:t>更相减损术</a:t>
-            </a:r>
-            <a:endParaRPr lang="en-US" altLang="zh-CN" b="1" dirty="0"/>
-          </a:p>
-          <a:p>
-            <a:pPr marL="0" indent="0">
-              <a:buNone/>
-            </a:pPr>
-            <a:r>
-              <a:rPr lang="en-US" altLang="zh-CN" dirty="0"/>
-              <a:t>	</a:t>
-            </a:r>
-            <a:r>
-              <a:rPr lang="zh-CN" altLang="en-US" dirty="0"/>
-              <a:t>可半者半之，不可半者，副置分母、子之数，以少减多，更相减损，求其等也。以等数约之。</a:t>
-            </a:r>
-            <a:endParaRPr lang="en-US" altLang="zh-CN" dirty="0"/>
-          </a:p>
-          <a:p>
-            <a:pPr marL="0" indent="0">
-              <a:buNone/>
-            </a:pPr>
-            <a:endParaRPr lang="en-US" altLang="zh-CN" b="1" dirty="0"/>
-          </a:p>
-          <a:p>
-            <a:pPr marL="0" indent="0">
-              <a:buNone/>
-            </a:pPr>
-            <a:r>
-              <a:rPr lang="zh-CN" altLang="en-US" b="1" dirty="0"/>
-              <a:t>辗转相除法</a:t>
-            </a:r>
-            <a:endParaRPr lang="en-US" altLang="zh-CN" b="1" dirty="0"/>
-          </a:p>
-          <a:p>
-            <a:pPr marL="0" indent="0">
+            <a:pPr marL="0" indent="0" algn="ctr">
               <a:buNone/>
             </a:pPr>
             <a:endParaRPr lang="en-US" altLang="zh-CN" dirty="0"/>
           </a:p>
           <a:p>
-            <a:pPr marL="0" indent="0">
+            <a:pPr marL="0" indent="0" algn="ctr">
               <a:buNone/>
             </a:pPr>
-            <a:endParaRPr lang="zh-CN" altLang="en-US" dirty="0"/>
+            <a:endParaRPr lang="en-US" altLang="zh-CN" dirty="0"/>
+          </a:p>
+          <a:p>
+            <a:pPr marL="0" indent="0" algn="ctr">
+              <a:buNone/>
+            </a:pPr>
+            <a:r>
+              <a:rPr lang="en-US" altLang="zh-CN" sz="9600" dirty="0"/>
+              <a:t>1 ,1 ,2 ,3 ,5 ,8 ,……</a:t>
+            </a:r>
+            <a:endParaRPr lang="zh-CN" altLang="en-US" sz="9600" dirty="0"/>
           </a:p>
         </p:txBody>
       </p:sp>
     </p:spTree>
     <p:extLst>
       <p:ext uri="{BB962C8B-B14F-4D97-AF65-F5344CB8AC3E}">
-        <p14:creationId xmlns:p14="http://schemas.microsoft.com/office/powerpoint/2010/main" val="479321348"/>
+        <p14:creationId xmlns:p14="http://schemas.microsoft.com/office/powerpoint/2010/main" val="1792440992"/>
       </p:ext>
     </p:extLst>
   </p:cSld>

--- a/递归.pptx
+++ b/递归.pptx
@@ -19,8 +19,8 @@
     <p:sldId id="279" r:id="rId10"/>
     <p:sldId id="283" r:id="rId11"/>
     <p:sldId id="281" r:id="rId12"/>
-    <p:sldId id="282" r:id="rId13"/>
-    <p:sldId id="270" r:id="rId14"/>
+    <p:sldId id="270" r:id="rId13"/>
+    <p:sldId id="282" r:id="rId14"/>
     <p:sldId id="272" r:id="rId15"/>
     <p:sldId id="284" r:id="rId16"/>
     <p:sldId id="286" r:id="rId17"/>
@@ -139,7 +139,7 @@
 
 <file path=ppt/commentAuthors.xml><?xml version="1.0" encoding="utf-8"?>
 <p:cmAuthorLst xmlns:a="http://schemas.openxmlformats.org/drawingml/2006/main" xmlns:r="http://schemas.openxmlformats.org/officeDocument/2006/relationships" xmlns:p="http://schemas.openxmlformats.org/presentationml/2006/main">
-  <p:cmAuthor id="1" name="鹏宇 赵" initials="鹏宇" lastIdx="1" clrIdx="0">
+  <p:cmAuthor id="1" name="鹏宇 赵" initials="鹏宇" lastIdx="2" clrIdx="0">
     <p:extLst>
       <p:ext uri="{19B8F6BF-5375-455C-9EA6-DF929625EA0E}">
         <p15:presenceInfo xmlns:p15="http://schemas.microsoft.com/office/powerpoint/2012/main" userId="19dbced9195b0738" providerId="Windows Live"/>
@@ -147,6 +147,20 @@
     </p:extLst>
   </p:cmAuthor>
 </p:cmAuthorLst>
+</file>
+
+<file path=ppt/comments/comment1.xml><?xml version="1.0" encoding="utf-8"?>
+<p:cmLst xmlns:a="http://schemas.openxmlformats.org/drawingml/2006/main" xmlns:r="http://schemas.openxmlformats.org/officeDocument/2006/relationships" xmlns:p="http://schemas.openxmlformats.org/presentationml/2006/main">
+  <p:cm authorId="1" dt="2018-12-17T12:44:00.536" idx="2">
+    <p:pos x="10" y="10"/>
+    <p:text>介绍汉诺塔</p:text>
+    <p:extLst>
+      <p:ext uri="{C676402C-5697-4E1C-873F-D02D1690AC5C}">
+        <p15:threadingInfo xmlns:p15="http://schemas.microsoft.com/office/powerpoint/2012/main" timeZoneBias="-480"/>
+      </p:ext>
+    </p:extLst>
+  </p:cm>
+</p:cmLst>
 </file>
 
 <file path=ppt/diagrams/colors1.xml><?xml version="1.0" encoding="utf-8"?>
@@ -2811,7 +2825,7 @@
           <a:p>
             <a:fld id="{DB5A32E7-FDC1-4D9B-9A89-AFB061F159B5}" type="datetimeFigureOut">
               <a:rPr lang="zh-CN" altLang="en-US" smtClean="0"/>
-              <a:t>2018/12/14</a:t>
+              <a:t>2018/12/17</a:t>
             </a:fld>
             <a:endParaRPr lang="zh-CN" altLang="en-US"/>
           </a:p>
@@ -3477,7 +3491,7 @@
           <a:p>
             <a:fld id="{631D7AD9-F7A3-4024-8A03-089BD453BF05}" type="datetimeFigureOut">
               <a:rPr lang="zh-CN" altLang="en-US" smtClean="0"/>
-              <a:t>2018/12/14</a:t>
+              <a:t>2018/12/17</a:t>
             </a:fld>
             <a:endParaRPr lang="zh-CN" altLang="en-US"/>
           </a:p>
@@ -3675,7 +3689,7 @@
           <a:p>
             <a:fld id="{631D7AD9-F7A3-4024-8A03-089BD453BF05}" type="datetimeFigureOut">
               <a:rPr lang="zh-CN" altLang="en-US" smtClean="0"/>
-              <a:t>2018/12/14</a:t>
+              <a:t>2018/12/17</a:t>
             </a:fld>
             <a:endParaRPr lang="zh-CN" altLang="en-US"/>
           </a:p>
@@ -3883,7 +3897,7 @@
           <a:p>
             <a:fld id="{631D7AD9-F7A3-4024-8A03-089BD453BF05}" type="datetimeFigureOut">
               <a:rPr lang="zh-CN" altLang="en-US" smtClean="0"/>
-              <a:t>2018/12/14</a:t>
+              <a:t>2018/12/17</a:t>
             </a:fld>
             <a:endParaRPr lang="zh-CN" altLang="en-US"/>
           </a:p>
@@ -4081,7 +4095,7 @@
           <a:p>
             <a:fld id="{631D7AD9-F7A3-4024-8A03-089BD453BF05}" type="datetimeFigureOut">
               <a:rPr lang="zh-CN" altLang="en-US" smtClean="0"/>
-              <a:t>2018/12/14</a:t>
+              <a:t>2018/12/17</a:t>
             </a:fld>
             <a:endParaRPr lang="zh-CN" altLang="en-US"/>
           </a:p>
@@ -4356,7 +4370,7 @@
           <a:p>
             <a:fld id="{631D7AD9-F7A3-4024-8A03-089BD453BF05}" type="datetimeFigureOut">
               <a:rPr lang="zh-CN" altLang="en-US" smtClean="0"/>
-              <a:t>2018/12/14</a:t>
+              <a:t>2018/12/17</a:t>
             </a:fld>
             <a:endParaRPr lang="zh-CN" altLang="en-US"/>
           </a:p>
@@ -4621,7 +4635,7 @@
           <a:p>
             <a:fld id="{631D7AD9-F7A3-4024-8A03-089BD453BF05}" type="datetimeFigureOut">
               <a:rPr lang="zh-CN" altLang="en-US" smtClean="0"/>
-              <a:t>2018/12/14</a:t>
+              <a:t>2018/12/17</a:t>
             </a:fld>
             <a:endParaRPr lang="zh-CN" altLang="en-US"/>
           </a:p>
@@ -5033,7 +5047,7 @@
           <a:p>
             <a:fld id="{631D7AD9-F7A3-4024-8A03-089BD453BF05}" type="datetimeFigureOut">
               <a:rPr lang="zh-CN" altLang="en-US" smtClean="0"/>
-              <a:t>2018/12/14</a:t>
+              <a:t>2018/12/17</a:t>
             </a:fld>
             <a:endParaRPr lang="zh-CN" altLang="en-US"/>
           </a:p>
@@ -5174,7 +5188,7 @@
           <a:p>
             <a:fld id="{631D7AD9-F7A3-4024-8A03-089BD453BF05}" type="datetimeFigureOut">
               <a:rPr lang="zh-CN" altLang="en-US" smtClean="0"/>
-              <a:t>2018/12/14</a:t>
+              <a:t>2018/12/17</a:t>
             </a:fld>
             <a:endParaRPr lang="zh-CN" altLang="en-US"/>
           </a:p>
@@ -5287,7 +5301,7 @@
           <a:p>
             <a:fld id="{631D7AD9-F7A3-4024-8A03-089BD453BF05}" type="datetimeFigureOut">
               <a:rPr lang="zh-CN" altLang="en-US" smtClean="0"/>
-              <a:t>2018/12/14</a:t>
+              <a:t>2018/12/17</a:t>
             </a:fld>
             <a:endParaRPr lang="zh-CN" altLang="en-US"/>
           </a:p>
@@ -5598,7 +5612,7 @@
           <a:p>
             <a:fld id="{631D7AD9-F7A3-4024-8A03-089BD453BF05}" type="datetimeFigureOut">
               <a:rPr lang="zh-CN" altLang="en-US" smtClean="0"/>
-              <a:t>2018/12/14</a:t>
+              <a:t>2018/12/17</a:t>
             </a:fld>
             <a:endParaRPr lang="zh-CN" altLang="en-US"/>
           </a:p>
@@ -5886,7 +5900,7 @@
           <a:p>
             <a:fld id="{631D7AD9-F7A3-4024-8A03-089BD453BF05}" type="datetimeFigureOut">
               <a:rPr lang="zh-CN" altLang="en-US" smtClean="0"/>
-              <a:t>2018/12/14</a:t>
+              <a:t>2018/12/17</a:t>
             </a:fld>
             <a:endParaRPr lang="zh-CN" altLang="en-US"/>
           </a:p>
@@ -6127,7 +6141,7 @@
           <a:p>
             <a:fld id="{631D7AD9-F7A3-4024-8A03-089BD453BF05}" type="datetimeFigureOut">
               <a:rPr lang="zh-CN" altLang="en-US" smtClean="0"/>
-              <a:t>2018/12/14</a:t>
+              <a:t>2018/12/17</a:t>
             </a:fld>
             <a:endParaRPr lang="zh-CN" altLang="en-US"/>
           </a:p>
@@ -6771,11 +6785,11 @@
   <p:clrMapOvr>
     <a:masterClrMapping/>
   </p:clrMapOvr>
-  <mc:AlternateContent xmlns:mc="http://schemas.openxmlformats.org/markup-compatibility/2006">
-    <mc:Choice xmlns:p14="http://schemas.microsoft.com/office/powerpoint/2010/main" Requires="p14">
+  <mc:AlternateContent xmlns:mc="http://schemas.openxmlformats.org/markup-compatibility/2006" xmlns:p14="http://schemas.microsoft.com/office/powerpoint/2010/main">
+    <mc:Choice Requires="p14">
       <p:transition p14:dur="10"/>
     </mc:Choice>
-    <mc:Fallback>
+    <mc:Fallback xmlns="">
       <p:transition/>
     </mc:Fallback>
   </mc:AlternateContent>
@@ -7409,275 +7423,6 @@
           <p:cNvGraphicFramePr>
             <a:graphicFrameLocks noGrp="1"/>
           </p:cNvGraphicFramePr>
-          <p:nvPr/>
-        </p:nvGraphicFramePr>
-        <p:xfrm>
-          <a:off x="-27992" y="18661"/>
-          <a:ext cx="12241763" cy="6839339"/>
-        </p:xfrm>
-        <a:graphic>
-          <a:graphicData uri="http://schemas.openxmlformats.org/drawingml/2006/table">
-            <a:tbl>
-              <a:tblPr/>
-              <a:tblGrid>
-                <a:gridCol w="12241763">
-                  <a:extLst>
-                    <a:ext uri="{9D8B030D-6E8A-4147-A177-3AD203B41FA5}">
-                      <a16:colId xmlns:a16="http://schemas.microsoft.com/office/drawing/2014/main" val="655821157"/>
-                    </a:ext>
-                  </a:extLst>
-                </a:gridCol>
-              </a:tblGrid>
-              <a:tr h="6839339">
-                <a:tc>
-                  <a:txBody>
-                    <a:bodyPr/>
-                    <a:lstStyle/>
-                    <a:p>
-                      <a:endParaRPr lang="zh-CN" altLang="en-US" dirty="0"/>
-                    </a:p>
-                  </a:txBody>
-                  <a:tcPr>
-                    <a:lnL w="76200" cmpd="sng">
-                      <a:solidFill>
-                        <a:schemeClr val="tx1"/>
-                      </a:solidFill>
-                      <a:prstDash val="solid"/>
-                    </a:lnL>
-                    <a:lnR w="76200" cmpd="sng">
-                      <a:solidFill>
-                        <a:schemeClr val="tx1"/>
-                      </a:solidFill>
-                      <a:prstDash val="solid"/>
-                    </a:lnR>
-                    <a:lnT w="76200" cmpd="sng">
-                      <a:solidFill>
-                        <a:schemeClr val="tx1"/>
-                      </a:solidFill>
-                      <a:prstDash val="solid"/>
-                    </a:lnT>
-                    <a:lnB w="76200" cmpd="sng">
-                      <a:solidFill>
-                        <a:schemeClr val="tx1"/>
-                      </a:solidFill>
-                      <a:prstDash val="solid"/>
-                    </a:lnB>
-                  </a:tcPr>
-                </a:tc>
-                <a:extLst>
-                  <a:ext uri="{0D108BD9-81ED-4DB2-BD59-A6C34878D82A}">
-                    <a16:rowId xmlns:a16="http://schemas.microsoft.com/office/drawing/2014/main" val="4229050620"/>
-                  </a:ext>
-                </a:extLst>
-              </a:tr>
-            </a:tbl>
-          </a:graphicData>
-        </a:graphic>
-      </p:graphicFrame>
-      <p:sp>
-        <p:nvSpPr>
-          <p:cNvPr id="6" name="文本框 5">
-            <a:extLst>
-              <a:ext uri="{FF2B5EF4-FFF2-40B4-BE49-F238E27FC236}">
-                <a16:creationId xmlns:a16="http://schemas.microsoft.com/office/drawing/2014/main" id="{BAAD0741-E048-4008-A764-70815BEB8669}"/>
-              </a:ext>
-            </a:extLst>
-          </p:cNvPr>
-          <p:cNvSpPr txBox="1"/>
-          <p:nvPr/>
-        </p:nvSpPr>
-        <p:spPr>
-          <a:xfrm>
-            <a:off x="1371599" y="261862"/>
-            <a:ext cx="9461241" cy="5816977"/>
-          </a:xfrm>
-          <a:prstGeom prst="rect">
-            <a:avLst/>
-          </a:prstGeom>
-          <a:noFill/>
-        </p:spPr>
-        <p:txBody>
-          <a:bodyPr wrap="square" rtlCol="0">
-            <a:spAutoFit/>
-          </a:bodyPr>
-          <a:lstStyle/>
-          <a:p>
-            <a:pPr algn="ctr"/>
-            <a:r>
-              <a:rPr lang="zh-CN" altLang="en-US" sz="15000" b="1" dirty="0">
-                <a:solidFill>
-                  <a:schemeClr val="accent4">
-                    <a:lumMod val="60000"/>
-                    <a:lumOff val="40000"/>
-                  </a:schemeClr>
-                </a:solidFill>
-                <a:latin typeface="微软雅黑" panose="020B0503020204020204" pitchFamily="34" charset="-122"/>
-                <a:ea typeface="微软雅黑" panose="020B0503020204020204" pitchFamily="34" charset="-122"/>
-              </a:rPr>
-              <a:t>递推式</a:t>
-            </a:r>
-            <a:endParaRPr lang="en-US" altLang="zh-CN" sz="15000" b="1" dirty="0">
-              <a:solidFill>
-                <a:schemeClr val="accent4">
-                  <a:lumMod val="60000"/>
-                  <a:lumOff val="40000"/>
-                </a:schemeClr>
-              </a:solidFill>
-              <a:latin typeface="微软雅黑" panose="020B0503020204020204" pitchFamily="34" charset="-122"/>
-              <a:ea typeface="微软雅黑" panose="020B0503020204020204" pitchFamily="34" charset="-122"/>
-            </a:endParaRPr>
-          </a:p>
-          <a:p>
-            <a:pPr algn="ctr"/>
-            <a:r>
-              <a:rPr lang="en-US" altLang="zh-CN" sz="7200" b="1" dirty="0">
-                <a:latin typeface="微软雅黑" panose="020B0503020204020204" pitchFamily="34" charset="-122"/>
-                <a:ea typeface="微软雅黑" panose="020B0503020204020204" pitchFamily="34" charset="-122"/>
-              </a:rPr>
-              <a:t>+</a:t>
-            </a:r>
-          </a:p>
-          <a:p>
-            <a:pPr algn="ctr"/>
-            <a:r>
-              <a:rPr lang="zh-CN" altLang="en-US" sz="15000" b="1" dirty="0">
-                <a:solidFill>
-                  <a:srgbClr val="002060"/>
-                </a:solidFill>
-                <a:latin typeface="微软雅黑" panose="020B0503020204020204" pitchFamily="34" charset="-122"/>
-                <a:ea typeface="微软雅黑" panose="020B0503020204020204" pitchFamily="34" charset="-122"/>
-              </a:rPr>
-              <a:t>递归出口</a:t>
-            </a:r>
-            <a:endParaRPr lang="en-US" altLang="zh-CN" sz="15000" b="1" dirty="0">
-              <a:solidFill>
-                <a:srgbClr val="002060"/>
-              </a:solidFill>
-              <a:latin typeface="微软雅黑" panose="020B0503020204020204" pitchFamily="34" charset="-122"/>
-              <a:ea typeface="微软雅黑" panose="020B0503020204020204" pitchFamily="34" charset="-122"/>
-            </a:endParaRPr>
-          </a:p>
-        </p:txBody>
-      </p:sp>
-    </p:spTree>
-    <p:extLst>
-      <p:ext uri="{BB962C8B-B14F-4D97-AF65-F5344CB8AC3E}">
-        <p14:creationId xmlns:p14="http://schemas.microsoft.com/office/powerpoint/2010/main" val="1168130730"/>
-      </p:ext>
-    </p:extLst>
-  </p:cSld>
-  <p:clrMapOvr>
-    <a:masterClrMapping/>
-  </p:clrMapOvr>
-</p:sld>
-</file>
-
-<file path=ppt/slides/slide13.xml><?xml version="1.0" encoding="utf-8"?>
-<p:sld xmlns:a="http://schemas.openxmlformats.org/drawingml/2006/main" xmlns:r="http://schemas.openxmlformats.org/officeDocument/2006/relationships" xmlns:p="http://schemas.openxmlformats.org/presentationml/2006/main">
-  <p:cSld>
-    <p:spTree>
-      <p:nvGrpSpPr>
-        <p:cNvPr id="1" name=""/>
-        <p:cNvGrpSpPr/>
-        <p:nvPr/>
-      </p:nvGrpSpPr>
-      <p:grpSpPr>
-        <a:xfrm>
-          <a:off x="0" y="0"/>
-          <a:ext cx="0" cy="0"/>
-          <a:chOff x="0" y="0"/>
-          <a:chExt cx="0" cy="0"/>
-        </a:xfrm>
-      </p:grpSpPr>
-      <p:graphicFrame>
-        <p:nvGraphicFramePr>
-          <p:cNvPr id="4" name="表格 3">
-            <a:extLst>
-              <a:ext uri="{FF2B5EF4-FFF2-40B4-BE49-F238E27FC236}">
-                <a16:creationId xmlns:a16="http://schemas.microsoft.com/office/drawing/2014/main" id="{915659BC-06D7-45F7-9C0F-0960F8B6D89B}"/>
-              </a:ext>
-            </a:extLst>
-          </p:cNvPr>
-          <p:cNvGraphicFramePr>
-            <a:graphicFrameLocks noGrp="1"/>
-          </p:cNvGraphicFramePr>
-          <p:nvPr/>
-        </p:nvGraphicFramePr>
-        <p:xfrm>
-          <a:off x="0" y="9331"/>
-          <a:ext cx="12204441" cy="6848669"/>
-        </p:xfrm>
-        <a:graphic>
-          <a:graphicData uri="http://schemas.openxmlformats.org/drawingml/2006/table">
-            <a:tbl>
-              <a:tblPr/>
-              <a:tblGrid>
-                <a:gridCol w="12204441">
-                  <a:extLst>
-                    <a:ext uri="{9D8B030D-6E8A-4147-A177-3AD203B41FA5}">
-                      <a16:colId xmlns:a16="http://schemas.microsoft.com/office/drawing/2014/main" val="3123927726"/>
-                    </a:ext>
-                  </a:extLst>
-                </a:gridCol>
-              </a:tblGrid>
-              <a:tr h="6848669">
-                <a:tc>
-                  <a:txBody>
-                    <a:bodyPr/>
-                    <a:lstStyle/>
-                    <a:p>
-                      <a:endParaRPr lang="zh-CN" altLang="en-US" dirty="0"/>
-                    </a:p>
-                  </a:txBody>
-                  <a:tcPr>
-                    <a:lnL w="57150" cmpd="sng">
-                      <a:solidFill>
-                        <a:schemeClr val="tx1"/>
-                      </a:solidFill>
-                      <a:prstDash val="solid"/>
-                    </a:lnL>
-                    <a:lnR w="57150" cmpd="sng">
-                      <a:solidFill>
-                        <a:schemeClr val="tx1"/>
-                      </a:solidFill>
-                      <a:prstDash val="solid"/>
-                    </a:lnR>
-                    <a:lnT w="57150" cmpd="sng">
-                      <a:solidFill>
-                        <a:schemeClr val="tx1"/>
-                      </a:solidFill>
-                      <a:prstDash val="solid"/>
-                    </a:lnT>
-                    <a:lnB w="57150" cmpd="sng">
-                      <a:solidFill>
-                        <a:schemeClr val="tx1"/>
-                      </a:solidFill>
-                      <a:prstDash val="solid"/>
-                    </a:lnB>
-                  </a:tcPr>
-                </a:tc>
-                <a:extLst>
-                  <a:ext uri="{0D108BD9-81ED-4DB2-BD59-A6C34878D82A}">
-                    <a16:rowId xmlns:a16="http://schemas.microsoft.com/office/drawing/2014/main" val="2935394680"/>
-                  </a:ext>
-                </a:extLst>
-              </a:tr>
-            </a:tbl>
-          </a:graphicData>
-        </a:graphic>
-      </p:graphicFrame>
-      <p:graphicFrame>
-        <p:nvGraphicFramePr>
-          <p:cNvPr id="5" name="表格 4">
-            <a:extLst>
-              <a:ext uri="{FF2B5EF4-FFF2-40B4-BE49-F238E27FC236}">
-                <a16:creationId xmlns:a16="http://schemas.microsoft.com/office/drawing/2014/main" id="{F40143C9-B666-4DC7-A877-07462C3B5837}"/>
-              </a:ext>
-            </a:extLst>
-          </p:cNvPr>
-          <p:cNvGraphicFramePr>
-            <a:graphicFrameLocks noGrp="1"/>
-          </p:cNvGraphicFramePr>
           <p:nvPr>
             <p:extLst>
               <p:ext uri="{D42A27DB-BD31-4B8C-83A1-F6EECF244321}">
@@ -8006,6 +7751,275 @@
     <p:extLst>
       <p:ext uri="{BB962C8B-B14F-4D97-AF65-F5344CB8AC3E}">
         <p14:creationId xmlns:p14="http://schemas.microsoft.com/office/powerpoint/2010/main" val="4163556025"/>
+      </p:ext>
+    </p:extLst>
+  </p:cSld>
+  <p:clrMapOvr>
+    <a:masterClrMapping/>
+  </p:clrMapOvr>
+</p:sld>
+</file>
+
+<file path=ppt/slides/slide13.xml><?xml version="1.0" encoding="utf-8"?>
+<p:sld xmlns:a="http://schemas.openxmlformats.org/drawingml/2006/main" xmlns:r="http://schemas.openxmlformats.org/officeDocument/2006/relationships" xmlns:p="http://schemas.openxmlformats.org/presentationml/2006/main">
+  <p:cSld>
+    <p:spTree>
+      <p:nvGrpSpPr>
+        <p:cNvPr id="1" name=""/>
+        <p:cNvGrpSpPr/>
+        <p:nvPr/>
+      </p:nvGrpSpPr>
+      <p:grpSpPr>
+        <a:xfrm>
+          <a:off x="0" y="0"/>
+          <a:ext cx="0" cy="0"/>
+          <a:chOff x="0" y="0"/>
+          <a:chExt cx="0" cy="0"/>
+        </a:xfrm>
+      </p:grpSpPr>
+      <p:graphicFrame>
+        <p:nvGraphicFramePr>
+          <p:cNvPr id="4" name="表格 3">
+            <a:extLst>
+              <a:ext uri="{FF2B5EF4-FFF2-40B4-BE49-F238E27FC236}">
+                <a16:creationId xmlns:a16="http://schemas.microsoft.com/office/drawing/2014/main" id="{915659BC-06D7-45F7-9C0F-0960F8B6D89B}"/>
+              </a:ext>
+            </a:extLst>
+          </p:cNvPr>
+          <p:cNvGraphicFramePr>
+            <a:graphicFrameLocks noGrp="1"/>
+          </p:cNvGraphicFramePr>
+          <p:nvPr/>
+        </p:nvGraphicFramePr>
+        <p:xfrm>
+          <a:off x="0" y="9331"/>
+          <a:ext cx="12204441" cy="6848669"/>
+        </p:xfrm>
+        <a:graphic>
+          <a:graphicData uri="http://schemas.openxmlformats.org/drawingml/2006/table">
+            <a:tbl>
+              <a:tblPr/>
+              <a:tblGrid>
+                <a:gridCol w="12204441">
+                  <a:extLst>
+                    <a:ext uri="{9D8B030D-6E8A-4147-A177-3AD203B41FA5}">
+                      <a16:colId xmlns:a16="http://schemas.microsoft.com/office/drawing/2014/main" val="3123927726"/>
+                    </a:ext>
+                  </a:extLst>
+                </a:gridCol>
+              </a:tblGrid>
+              <a:tr h="6848669">
+                <a:tc>
+                  <a:txBody>
+                    <a:bodyPr/>
+                    <a:lstStyle/>
+                    <a:p>
+                      <a:endParaRPr lang="zh-CN" altLang="en-US" dirty="0"/>
+                    </a:p>
+                  </a:txBody>
+                  <a:tcPr>
+                    <a:lnL w="57150" cmpd="sng">
+                      <a:solidFill>
+                        <a:schemeClr val="tx1"/>
+                      </a:solidFill>
+                      <a:prstDash val="solid"/>
+                    </a:lnL>
+                    <a:lnR w="57150" cmpd="sng">
+                      <a:solidFill>
+                        <a:schemeClr val="tx1"/>
+                      </a:solidFill>
+                      <a:prstDash val="solid"/>
+                    </a:lnR>
+                    <a:lnT w="57150" cmpd="sng">
+                      <a:solidFill>
+                        <a:schemeClr val="tx1"/>
+                      </a:solidFill>
+                      <a:prstDash val="solid"/>
+                    </a:lnT>
+                    <a:lnB w="57150" cmpd="sng">
+                      <a:solidFill>
+                        <a:schemeClr val="tx1"/>
+                      </a:solidFill>
+                      <a:prstDash val="solid"/>
+                    </a:lnB>
+                  </a:tcPr>
+                </a:tc>
+                <a:extLst>
+                  <a:ext uri="{0D108BD9-81ED-4DB2-BD59-A6C34878D82A}">
+                    <a16:rowId xmlns:a16="http://schemas.microsoft.com/office/drawing/2014/main" val="2935394680"/>
+                  </a:ext>
+                </a:extLst>
+              </a:tr>
+            </a:tbl>
+          </a:graphicData>
+        </a:graphic>
+      </p:graphicFrame>
+      <p:graphicFrame>
+        <p:nvGraphicFramePr>
+          <p:cNvPr id="5" name="表格 4">
+            <a:extLst>
+              <a:ext uri="{FF2B5EF4-FFF2-40B4-BE49-F238E27FC236}">
+                <a16:creationId xmlns:a16="http://schemas.microsoft.com/office/drawing/2014/main" id="{F40143C9-B666-4DC7-A877-07462C3B5837}"/>
+              </a:ext>
+            </a:extLst>
+          </p:cNvPr>
+          <p:cNvGraphicFramePr>
+            <a:graphicFrameLocks noGrp="1"/>
+          </p:cNvGraphicFramePr>
+          <p:nvPr/>
+        </p:nvGraphicFramePr>
+        <p:xfrm>
+          <a:off x="-27992" y="18661"/>
+          <a:ext cx="12241763" cy="6839339"/>
+        </p:xfrm>
+        <a:graphic>
+          <a:graphicData uri="http://schemas.openxmlformats.org/drawingml/2006/table">
+            <a:tbl>
+              <a:tblPr/>
+              <a:tblGrid>
+                <a:gridCol w="12241763">
+                  <a:extLst>
+                    <a:ext uri="{9D8B030D-6E8A-4147-A177-3AD203B41FA5}">
+                      <a16:colId xmlns:a16="http://schemas.microsoft.com/office/drawing/2014/main" val="655821157"/>
+                    </a:ext>
+                  </a:extLst>
+                </a:gridCol>
+              </a:tblGrid>
+              <a:tr h="6839339">
+                <a:tc>
+                  <a:txBody>
+                    <a:bodyPr/>
+                    <a:lstStyle/>
+                    <a:p>
+                      <a:endParaRPr lang="zh-CN" altLang="en-US" dirty="0"/>
+                    </a:p>
+                  </a:txBody>
+                  <a:tcPr>
+                    <a:lnL w="76200" cmpd="sng">
+                      <a:solidFill>
+                        <a:schemeClr val="tx1"/>
+                      </a:solidFill>
+                      <a:prstDash val="solid"/>
+                    </a:lnL>
+                    <a:lnR w="76200" cmpd="sng">
+                      <a:solidFill>
+                        <a:schemeClr val="tx1"/>
+                      </a:solidFill>
+                      <a:prstDash val="solid"/>
+                    </a:lnR>
+                    <a:lnT w="76200" cmpd="sng">
+                      <a:solidFill>
+                        <a:schemeClr val="tx1"/>
+                      </a:solidFill>
+                      <a:prstDash val="solid"/>
+                    </a:lnT>
+                    <a:lnB w="76200" cmpd="sng">
+                      <a:solidFill>
+                        <a:schemeClr val="tx1"/>
+                      </a:solidFill>
+                      <a:prstDash val="solid"/>
+                    </a:lnB>
+                  </a:tcPr>
+                </a:tc>
+                <a:extLst>
+                  <a:ext uri="{0D108BD9-81ED-4DB2-BD59-A6C34878D82A}">
+                    <a16:rowId xmlns:a16="http://schemas.microsoft.com/office/drawing/2014/main" val="4229050620"/>
+                  </a:ext>
+                </a:extLst>
+              </a:tr>
+            </a:tbl>
+          </a:graphicData>
+        </a:graphic>
+      </p:graphicFrame>
+      <p:sp>
+        <p:nvSpPr>
+          <p:cNvPr id="6" name="文本框 5">
+            <a:extLst>
+              <a:ext uri="{FF2B5EF4-FFF2-40B4-BE49-F238E27FC236}">
+                <a16:creationId xmlns:a16="http://schemas.microsoft.com/office/drawing/2014/main" id="{BAAD0741-E048-4008-A764-70815BEB8669}"/>
+              </a:ext>
+            </a:extLst>
+          </p:cNvPr>
+          <p:cNvSpPr txBox="1"/>
+          <p:nvPr/>
+        </p:nvSpPr>
+        <p:spPr>
+          <a:xfrm>
+            <a:off x="1371599" y="261862"/>
+            <a:ext cx="9461241" cy="5816977"/>
+          </a:xfrm>
+          <a:prstGeom prst="rect">
+            <a:avLst/>
+          </a:prstGeom>
+          <a:noFill/>
+        </p:spPr>
+        <p:txBody>
+          <a:bodyPr wrap="square" rtlCol="0">
+            <a:spAutoFit/>
+          </a:bodyPr>
+          <a:lstStyle/>
+          <a:p>
+            <a:pPr algn="ctr"/>
+            <a:r>
+              <a:rPr lang="zh-CN" altLang="en-US" sz="15000" b="1" dirty="0">
+                <a:solidFill>
+                  <a:schemeClr val="accent4">
+                    <a:lumMod val="60000"/>
+                    <a:lumOff val="40000"/>
+                  </a:schemeClr>
+                </a:solidFill>
+                <a:latin typeface="微软雅黑" panose="020B0503020204020204" pitchFamily="34" charset="-122"/>
+                <a:ea typeface="微软雅黑" panose="020B0503020204020204" pitchFamily="34" charset="-122"/>
+              </a:rPr>
+              <a:t>递推式</a:t>
+            </a:r>
+            <a:endParaRPr lang="en-US" altLang="zh-CN" sz="15000" b="1" dirty="0">
+              <a:solidFill>
+                <a:schemeClr val="accent4">
+                  <a:lumMod val="60000"/>
+                  <a:lumOff val="40000"/>
+                </a:schemeClr>
+              </a:solidFill>
+              <a:latin typeface="微软雅黑" panose="020B0503020204020204" pitchFamily="34" charset="-122"/>
+              <a:ea typeface="微软雅黑" panose="020B0503020204020204" pitchFamily="34" charset="-122"/>
+            </a:endParaRPr>
+          </a:p>
+          <a:p>
+            <a:pPr algn="ctr"/>
+            <a:r>
+              <a:rPr lang="en-US" altLang="zh-CN" sz="7200" b="1" dirty="0">
+                <a:latin typeface="微软雅黑" panose="020B0503020204020204" pitchFamily="34" charset="-122"/>
+                <a:ea typeface="微软雅黑" panose="020B0503020204020204" pitchFamily="34" charset="-122"/>
+              </a:rPr>
+              <a:t>+</a:t>
+            </a:r>
+          </a:p>
+          <a:p>
+            <a:pPr algn="ctr"/>
+            <a:r>
+              <a:rPr lang="zh-CN" altLang="en-US" sz="15000" b="1" dirty="0">
+                <a:solidFill>
+                  <a:srgbClr val="002060"/>
+                </a:solidFill>
+                <a:latin typeface="微软雅黑" panose="020B0503020204020204" pitchFamily="34" charset="-122"/>
+                <a:ea typeface="微软雅黑" panose="020B0503020204020204" pitchFamily="34" charset="-122"/>
+              </a:rPr>
+              <a:t>递归出口</a:t>
+            </a:r>
+            <a:endParaRPr lang="en-US" altLang="zh-CN" sz="15000" b="1" dirty="0">
+              <a:solidFill>
+                <a:srgbClr val="002060"/>
+              </a:solidFill>
+              <a:latin typeface="微软雅黑" panose="020B0503020204020204" pitchFamily="34" charset="-122"/>
+              <a:ea typeface="微软雅黑" panose="020B0503020204020204" pitchFamily="34" charset="-122"/>
+            </a:endParaRPr>
+          </a:p>
+        </p:txBody>
+      </p:sp>
+    </p:spTree>
+    <p:extLst>
+      <p:ext uri="{BB962C8B-B14F-4D97-AF65-F5344CB8AC3E}">
+        <p14:creationId xmlns:p14="http://schemas.microsoft.com/office/powerpoint/2010/main" val="1168130730"/>
       </p:ext>
     </p:extLst>
   </p:cSld>
@@ -9561,13 +9575,12 @@
         </p:blipFill>
         <p:spPr bwMode="auto">
           <a:xfrm>
-            <a:off x="4069507" y="2466109"/>
+            <a:off x="3976151" y="2466109"/>
             <a:ext cx="4541763" cy="4391891"/>
           </a:xfrm>
           <a:prstGeom prst="rect">
             <a:avLst/>
           </a:prstGeom>
-          <a:noFill/>
           <a:extLst>
             <a:ext uri="{909E8E84-426E-40DD-AFC4-6F175D3DCCD1}">
               <a14:hiddenFill xmlns:a14="http://schemas.microsoft.com/office/drawing/2010/main">
@@ -9578,6 +9591,20 @@
             </a:ext>
           </a:extLst>
         </p:spPr>
+        <p:style>
+          <a:lnRef idx="0">
+            <a:schemeClr val="dk1"/>
+          </a:lnRef>
+          <a:fillRef idx="3">
+            <a:schemeClr val="dk1"/>
+          </a:fillRef>
+          <a:effectRef idx="3">
+            <a:schemeClr val="dk1"/>
+          </a:effectRef>
+          <a:fontRef idx="minor">
+            <a:schemeClr val="lt1"/>
+          </a:fontRef>
+        </p:style>
       </p:pic>
       <p:sp>
         <p:nvSpPr>
@@ -9854,10 +9881,10 @@
       </p:graphicFrame>
       <p:sp>
         <p:nvSpPr>
-          <p:cNvPr id="2" name="文本框 1">
-            <a:extLst>
-              <a:ext uri="{FF2B5EF4-FFF2-40B4-BE49-F238E27FC236}">
-                <a16:creationId xmlns:a16="http://schemas.microsoft.com/office/drawing/2014/main" id="{35203D74-8FCF-4484-8BAB-182003DABAD9}"/>
+          <p:cNvPr id="6" name="文本框 5">
+            <a:extLst>
+              <a:ext uri="{FF2B5EF4-FFF2-40B4-BE49-F238E27FC236}">
+                <a16:creationId xmlns:a16="http://schemas.microsoft.com/office/drawing/2014/main" id="{6A23E48A-E519-43AF-984B-72ADEE507BA9}"/>
               </a:ext>
             </a:extLst>
           </p:cNvPr>
@@ -9866,8 +9893,8 @@
         </p:nvSpPr>
         <p:spPr>
           <a:xfrm>
-            <a:off x="1187532" y="625247"/>
-            <a:ext cx="10411179" cy="5262979"/>
+            <a:off x="5542657" y="797510"/>
+            <a:ext cx="4342828" cy="830997"/>
           </a:xfrm>
           <a:prstGeom prst="rect">
             <a:avLst/>
@@ -9880,273 +9907,584 @@
           </a:bodyPr>
           <a:lstStyle/>
           <a:p>
-            <a:r>
-              <a:rPr lang="zh-CN" altLang="en-US" sz="4800" b="1" dirty="0">
-                <a:solidFill>
-                  <a:srgbClr val="FFC000"/>
-                </a:solidFill>
-                <a:latin typeface="微软雅黑" panose="020B0503020204020204" pitchFamily="34" charset="-122"/>
-                <a:ea typeface="微软雅黑" panose="020B0503020204020204" pitchFamily="34" charset="-122"/>
-              </a:rPr>
-              <a:t>冠军</a:t>
-            </a:r>
-            <a:r>
-              <a:rPr lang="zh-CN" altLang="en-US" sz="4800" dirty="0">
-                <a:latin typeface="微软雅黑" panose="020B0503020204020204" pitchFamily="34" charset="-122"/>
-                <a:ea typeface="微软雅黑" panose="020B0503020204020204" pitchFamily="34" charset="-122"/>
-              </a:rPr>
-              <a:t>           </a:t>
-            </a:r>
-            <a:r>
-              <a:rPr lang="en-US" altLang="zh-CN" sz="4800" dirty="0">
-                <a:latin typeface="微软雅黑" panose="020B0503020204020204" pitchFamily="34" charset="-122"/>
-                <a:ea typeface="微软雅黑" panose="020B0503020204020204" pitchFamily="34" charset="-122"/>
-              </a:rPr>
-              <a:t>			</a:t>
-            </a:r>
-            <a:r>
-              <a:rPr lang="zh-CN" altLang="en-US" sz="3200" dirty="0">
-                <a:latin typeface="微软雅黑" panose="020B0503020204020204" pitchFamily="34" charset="-122"/>
-                <a:ea typeface="微软雅黑" panose="020B0503020204020204" pitchFamily="34" charset="-122"/>
-              </a:rPr>
-              <a:t>米悦机械键盘</a:t>
-            </a:r>
-            <a:r>
-              <a:rPr lang="en-US" altLang="zh-CN" sz="3200" dirty="0">
-                <a:solidFill>
-                  <a:schemeClr val="accent2"/>
-                </a:solidFill>
-                <a:latin typeface="微软雅黑" panose="020B0503020204020204" pitchFamily="34" charset="-122"/>
-                <a:ea typeface="微软雅黑" panose="020B0503020204020204" pitchFamily="34" charset="-122"/>
-              </a:rPr>
-              <a:t>pro</a:t>
-            </a:r>
-          </a:p>
-          <a:p>
-            <a:r>
-              <a:rPr lang="zh-CN" altLang="en-US" sz="4800" b="1" dirty="0">
-                <a:solidFill>
-                  <a:schemeClr val="bg2">
-                    <a:lumMod val="75000"/>
-                  </a:schemeClr>
-                </a:solidFill>
-                <a:latin typeface="微软雅黑" panose="020B0503020204020204" pitchFamily="34" charset="-122"/>
-                <a:ea typeface="微软雅黑" panose="020B0503020204020204" pitchFamily="34" charset="-122"/>
-              </a:rPr>
-              <a:t>亚军</a:t>
-            </a:r>
-            <a:r>
-              <a:rPr lang="en-US" altLang="zh-CN" sz="4800" dirty="0">
-                <a:latin typeface="微软雅黑" panose="020B0503020204020204" pitchFamily="34" charset="-122"/>
-                <a:ea typeface="微软雅黑" panose="020B0503020204020204" pitchFamily="34" charset="-122"/>
-              </a:rPr>
-              <a:t>           			</a:t>
-            </a:r>
-            <a:r>
-              <a:rPr lang="zh-CN" altLang="en-US" sz="3600" dirty="0">
-                <a:latin typeface="微软雅黑" panose="020B0503020204020204" pitchFamily="34" charset="-122"/>
-                <a:ea typeface="微软雅黑" panose="020B0503020204020204" pitchFamily="34" charset="-122"/>
-              </a:rPr>
-              <a:t>米兔无人机</a:t>
-            </a:r>
-          </a:p>
-          <a:p>
-            <a:r>
-              <a:rPr lang="zh-CN" altLang="en-US" sz="4800" b="1" dirty="0">
-                <a:solidFill>
-                  <a:srgbClr val="CF9217"/>
-                </a:solidFill>
-                <a:latin typeface="微软雅黑" panose="020B0503020204020204" pitchFamily="34" charset="-122"/>
-                <a:ea typeface="微软雅黑" panose="020B0503020204020204" pitchFamily="34" charset="-122"/>
-              </a:rPr>
-              <a:t>季军</a:t>
-            </a:r>
-            <a:r>
-              <a:rPr lang="en-US" altLang="zh-CN" sz="4800" dirty="0">
-                <a:latin typeface="微软雅黑" panose="020B0503020204020204" pitchFamily="34" charset="-122"/>
-                <a:ea typeface="微软雅黑" panose="020B0503020204020204" pitchFamily="34" charset="-122"/>
-              </a:rPr>
-              <a:t>           			</a:t>
-            </a:r>
-            <a:r>
-              <a:rPr lang="zh-CN" altLang="en-US" sz="3600" dirty="0">
-                <a:latin typeface="微软雅黑" panose="020B0503020204020204" pitchFamily="34" charset="-122"/>
-                <a:ea typeface="微软雅黑" panose="020B0503020204020204" pitchFamily="34" charset="-122"/>
-              </a:rPr>
-              <a:t>小米运动手环</a:t>
-            </a:r>
-          </a:p>
-          <a:p>
-            <a:r>
-              <a:rPr lang="zh-CN" altLang="en-US" sz="4800" b="1" dirty="0">
-                <a:solidFill>
-                  <a:schemeClr val="accent1">
-                    <a:lumMod val="60000"/>
-                    <a:lumOff val="40000"/>
-                  </a:schemeClr>
-                </a:solidFill>
-                <a:latin typeface="微软雅黑" panose="020B0503020204020204" pitchFamily="34" charset="-122"/>
-                <a:ea typeface="微软雅黑" panose="020B0503020204020204" pitchFamily="34" charset="-122"/>
-              </a:rPr>
-              <a:t>新生前三名</a:t>
-            </a:r>
-            <a:r>
-              <a:rPr lang="en-US" altLang="zh-CN" sz="4800" b="1" dirty="0">
-                <a:solidFill>
-                  <a:schemeClr val="accent1">
-                    <a:lumMod val="60000"/>
-                    <a:lumOff val="40000"/>
-                  </a:schemeClr>
-                </a:solidFill>
-                <a:latin typeface="微软雅黑" panose="020B0503020204020204" pitchFamily="34" charset="-122"/>
-                <a:ea typeface="微软雅黑" panose="020B0503020204020204" pitchFamily="34" charset="-122"/>
-              </a:rPr>
-              <a:t> 			</a:t>
-            </a:r>
-            <a:r>
-              <a:rPr lang="zh-CN" altLang="en-US" sz="3600" dirty="0">
-                <a:latin typeface="微软雅黑" panose="020B0503020204020204" pitchFamily="34" charset="-122"/>
-                <a:ea typeface="微软雅黑" panose="020B0503020204020204" pitchFamily="34" charset="-122"/>
-              </a:rPr>
-              <a:t>米悦机械键盘</a:t>
-            </a:r>
-          </a:p>
-          <a:p>
-            <a:r>
-              <a:rPr lang="zh-CN" altLang="en-US" sz="4800" b="1" dirty="0">
-                <a:solidFill>
-                  <a:srgbClr val="EF7DDF"/>
-                </a:solidFill>
-                <a:latin typeface="微软雅黑" panose="020B0503020204020204" pitchFamily="34" charset="-122"/>
-                <a:ea typeface="微软雅黑" panose="020B0503020204020204" pitchFamily="34" charset="-122"/>
-              </a:rPr>
-              <a:t>最佳女生     </a:t>
-            </a:r>
-            <a:r>
-              <a:rPr lang="en-US" altLang="zh-CN" sz="4800" b="1" dirty="0">
-                <a:solidFill>
-                  <a:srgbClr val="EF7DDF"/>
-                </a:solidFill>
-                <a:latin typeface="微软雅黑" panose="020B0503020204020204" pitchFamily="34" charset="-122"/>
-                <a:ea typeface="微软雅黑" panose="020B0503020204020204" pitchFamily="34" charset="-122"/>
-              </a:rPr>
-              <a:t>			</a:t>
-            </a:r>
-            <a:r>
-              <a:rPr lang="zh-CN" altLang="en-US" sz="3600" dirty="0">
-                <a:latin typeface="微软雅黑" panose="020B0503020204020204" pitchFamily="34" charset="-122"/>
-                <a:ea typeface="微软雅黑" panose="020B0503020204020204" pitchFamily="34" charset="-122"/>
-              </a:rPr>
-              <a:t>自拍杆</a:t>
-            </a:r>
-          </a:p>
-          <a:p>
-            <a:r>
-              <a:rPr lang="zh-CN" altLang="en-US" sz="4800" b="1" dirty="0">
-                <a:solidFill>
-                  <a:schemeClr val="accent6">
-                    <a:lumMod val="75000"/>
-                  </a:schemeClr>
-                </a:solidFill>
-                <a:latin typeface="微软雅黑" panose="020B0503020204020204" pitchFamily="34" charset="-122"/>
-                <a:ea typeface="微软雅黑" panose="020B0503020204020204" pitchFamily="34" charset="-122"/>
-              </a:rPr>
-              <a:t>顽强拼搏     </a:t>
-            </a:r>
-            <a:r>
-              <a:rPr lang="en-US" altLang="zh-CN" sz="4800" b="1" dirty="0">
-                <a:solidFill>
-                  <a:schemeClr val="accent6">
-                    <a:lumMod val="75000"/>
-                  </a:schemeClr>
-                </a:solidFill>
-                <a:latin typeface="微软雅黑" panose="020B0503020204020204" pitchFamily="34" charset="-122"/>
-                <a:ea typeface="微软雅黑" panose="020B0503020204020204" pitchFamily="34" charset="-122"/>
-              </a:rPr>
-              <a:t>			</a:t>
-            </a:r>
-            <a:r>
-              <a:rPr lang="en-US" altLang="zh-CN" sz="3600" dirty="0">
-                <a:latin typeface="微软雅黑" panose="020B0503020204020204" pitchFamily="34" charset="-122"/>
-                <a:ea typeface="微软雅黑" panose="020B0503020204020204" pitchFamily="34" charset="-122"/>
-              </a:rPr>
-              <a:t>64g </a:t>
-            </a:r>
-            <a:r>
-              <a:rPr lang="zh-CN" altLang="en-US" sz="3600" dirty="0">
-                <a:latin typeface="微软雅黑" panose="020B0503020204020204" pitchFamily="34" charset="-122"/>
-                <a:ea typeface="微软雅黑" panose="020B0503020204020204" pitchFamily="34" charset="-122"/>
-              </a:rPr>
-              <a:t>闪迪定制</a:t>
-            </a:r>
-            <a:r>
-              <a:rPr lang="en-US" altLang="zh-CN" sz="3600" dirty="0">
-                <a:latin typeface="微软雅黑" panose="020B0503020204020204" pitchFamily="34" charset="-122"/>
-                <a:ea typeface="微软雅黑" panose="020B0503020204020204" pitchFamily="34" charset="-122"/>
-              </a:rPr>
-              <a:t>u</a:t>
-            </a:r>
-            <a:r>
-              <a:rPr lang="zh-CN" altLang="en-US" sz="3600" dirty="0">
-                <a:latin typeface="微软雅黑" panose="020B0503020204020204" pitchFamily="34" charset="-122"/>
-                <a:ea typeface="微软雅黑" panose="020B0503020204020204" pitchFamily="34" charset="-122"/>
-              </a:rPr>
-              <a:t>盘</a:t>
-            </a:r>
-          </a:p>
-          <a:p>
-            <a:r>
-              <a:rPr lang="zh-CN" altLang="en-US" sz="4800" b="1" dirty="0">
-                <a:solidFill>
-                  <a:srgbClr val="FF0000"/>
-                </a:solidFill>
-                <a:latin typeface="微软雅黑" panose="020B0503020204020204" pitchFamily="34" charset="-122"/>
-                <a:ea typeface="微软雅黑" panose="020B0503020204020204" pitchFamily="34" charset="-122"/>
-              </a:rPr>
-              <a:t>现场抽奖     </a:t>
-            </a:r>
-            <a:r>
-              <a:rPr lang="en-US" altLang="zh-CN" sz="4800" b="1" dirty="0">
-                <a:solidFill>
-                  <a:srgbClr val="FF0000"/>
-                </a:solidFill>
-                <a:latin typeface="微软雅黑" panose="020B0503020204020204" pitchFamily="34" charset="-122"/>
-                <a:ea typeface="微软雅黑" panose="020B0503020204020204" pitchFamily="34" charset="-122"/>
-              </a:rPr>
-              <a:t>			</a:t>
-            </a:r>
-            <a:r>
-              <a:rPr lang="en-US" altLang="zh-CN" sz="3600" dirty="0">
-                <a:latin typeface="微软雅黑" panose="020B0503020204020204" pitchFamily="34" charset="-122"/>
-                <a:ea typeface="微软雅黑" panose="020B0503020204020204" pitchFamily="34" charset="-122"/>
-              </a:rPr>
-              <a:t>64g </a:t>
-            </a:r>
-            <a:r>
-              <a:rPr lang="zh-CN" altLang="en-US" sz="3600" dirty="0">
-                <a:latin typeface="微软雅黑" panose="020B0503020204020204" pitchFamily="34" charset="-122"/>
-                <a:ea typeface="微软雅黑" panose="020B0503020204020204" pitchFamily="34" charset="-122"/>
-              </a:rPr>
-              <a:t>闪迪定制</a:t>
-            </a:r>
-            <a:r>
-              <a:rPr lang="en-US" altLang="zh-CN" sz="3600" dirty="0">
-                <a:latin typeface="微软雅黑" panose="020B0503020204020204" pitchFamily="34" charset="-122"/>
-                <a:ea typeface="微软雅黑" panose="020B0503020204020204" pitchFamily="34" charset="-122"/>
-              </a:rPr>
-              <a:t>u</a:t>
-            </a:r>
-            <a:r>
-              <a:rPr lang="zh-CN" altLang="en-US" sz="3600" dirty="0">
-                <a:latin typeface="微软雅黑" panose="020B0503020204020204" pitchFamily="34" charset="-122"/>
-                <a:ea typeface="微软雅黑" panose="020B0503020204020204" pitchFamily="34" charset="-122"/>
-              </a:rPr>
-              <a:t>盘</a:t>
-            </a:r>
             <a:endParaRPr lang="zh-CN" altLang="en-US" sz="4800" dirty="0">
               <a:latin typeface="微软雅黑" panose="020B0503020204020204" pitchFamily="34" charset="-122"/>
               <a:ea typeface="微软雅黑" panose="020B0503020204020204" pitchFamily="34" charset="-122"/>
             </a:endParaRPr>
+          </a:p>
+        </p:txBody>
+      </p:sp>
+      <p:graphicFrame>
+        <p:nvGraphicFramePr>
+          <p:cNvPr id="9" name="表格 8">
+            <a:extLst>
+              <a:ext uri="{FF2B5EF4-FFF2-40B4-BE49-F238E27FC236}">
+                <a16:creationId xmlns:a16="http://schemas.microsoft.com/office/drawing/2014/main" id="{ECC734AC-00FC-4CDA-A95D-1C7020D5F649}"/>
+              </a:ext>
+            </a:extLst>
+          </p:cNvPr>
+          <p:cNvGraphicFramePr>
+            <a:graphicFrameLocks noGrp="1"/>
+          </p:cNvGraphicFramePr>
+          <p:nvPr>
+            <p:extLst>
+              <p:ext uri="{D42A27DB-BD31-4B8C-83A1-F6EECF244321}">
+                <p14:modId xmlns:p14="http://schemas.microsoft.com/office/powerpoint/2010/main" val="2603554265"/>
+              </p:ext>
+            </p:extLst>
+          </p:nvPr>
+        </p:nvGraphicFramePr>
+        <p:xfrm>
+          <a:off x="929804" y="305380"/>
+          <a:ext cx="10332392" cy="5009004"/>
+        </p:xfrm>
+        <a:graphic>
+          <a:graphicData uri="http://schemas.openxmlformats.org/drawingml/2006/table">
+            <a:tbl>
+              <a:tblPr firstRow="1" bandRow="1">
+                <a:tableStyleId>{5C22544A-7EE6-4342-B048-85BDC9FD1C3A}</a:tableStyleId>
+              </a:tblPr>
+              <a:tblGrid>
+                <a:gridCol w="5166196">
+                  <a:extLst>
+                    <a:ext uri="{9D8B030D-6E8A-4147-A177-3AD203B41FA5}">
+                      <a16:colId xmlns:a16="http://schemas.microsoft.com/office/drawing/2014/main" val="1756773944"/>
+                    </a:ext>
+                  </a:extLst>
+                </a:gridCol>
+                <a:gridCol w="5166196">
+                  <a:extLst>
+                    <a:ext uri="{9D8B030D-6E8A-4147-A177-3AD203B41FA5}">
+                      <a16:colId xmlns:a16="http://schemas.microsoft.com/office/drawing/2014/main" val="2379628119"/>
+                    </a:ext>
+                  </a:extLst>
+                </a:gridCol>
+              </a:tblGrid>
+              <a:tr h="707154">
+                <a:tc>
+                  <a:txBody>
+                    <a:bodyPr/>
+                    <a:lstStyle/>
+                    <a:p>
+                      <a:pPr algn="ctr"/>
+                      <a:r>
+                        <a:rPr lang="zh-CN" altLang="en-US" sz="3600" dirty="0"/>
+                        <a:t>奖项</a:t>
+                      </a:r>
+                    </a:p>
+                  </a:txBody>
+                  <a:tcPr/>
+                </a:tc>
+                <a:tc>
+                  <a:txBody>
+                    <a:bodyPr/>
+                    <a:lstStyle/>
+                    <a:p>
+                      <a:pPr algn="ctr"/>
+                      <a:r>
+                        <a:rPr lang="zh-CN" altLang="en-US" sz="3600" dirty="0"/>
+                        <a:t>奖品</a:t>
+                      </a:r>
+                      <a:endParaRPr lang="zh-CN" altLang="en-US" dirty="0"/>
+                    </a:p>
+                  </a:txBody>
+                  <a:tcPr/>
+                </a:tc>
+                <a:extLst>
+                  <a:ext uri="{0D108BD9-81ED-4DB2-BD59-A6C34878D82A}">
+                    <a16:rowId xmlns:a16="http://schemas.microsoft.com/office/drawing/2014/main" val="1723754651"/>
+                  </a:ext>
+                </a:extLst>
+              </a:tr>
+              <a:tr h="716975">
+                <a:tc>
+                  <a:txBody>
+                    <a:bodyPr/>
+                    <a:lstStyle/>
+                    <a:p>
+                      <a:pPr marL="0" marR="0" lvl="0" indent="0" algn="l" defTabSz="914400" rtl="0" eaLnBrk="1" fontAlgn="auto" latinLnBrk="0" hangingPunct="1">
+                        <a:lnSpc>
+                          <a:spcPct val="100000"/>
+                        </a:lnSpc>
+                        <a:spcBef>
+                          <a:spcPts val="0"/>
+                        </a:spcBef>
+                        <a:spcAft>
+                          <a:spcPts val="0"/>
+                        </a:spcAft>
+                        <a:buClrTx/>
+                        <a:buSzTx/>
+                        <a:buFontTx/>
+                        <a:buNone/>
+                        <a:tabLst/>
+                        <a:defRPr/>
+                      </a:pPr>
+                      <a:r>
+                        <a:rPr lang="zh-CN" altLang="en-US" sz="3600" b="1" dirty="0">
+                          <a:solidFill>
+                            <a:srgbClr val="FFC000"/>
+                          </a:solidFill>
+                          <a:latin typeface="微软雅黑" panose="020B0503020204020204" pitchFamily="34" charset="-122"/>
+                          <a:ea typeface="微软雅黑" panose="020B0503020204020204" pitchFamily="34" charset="-122"/>
+                        </a:rPr>
+                        <a:t>全场</a:t>
+                      </a:r>
+                      <a:r>
+                        <a:rPr lang="en-US" altLang="zh-CN" sz="3600" b="1" dirty="0">
+                          <a:solidFill>
+                            <a:srgbClr val="FFC000"/>
+                          </a:solidFill>
+                          <a:latin typeface="微软雅黑" panose="020B0503020204020204" pitchFamily="34" charset="-122"/>
+                          <a:ea typeface="微软雅黑" panose="020B0503020204020204" pitchFamily="34" charset="-122"/>
+                        </a:rPr>
+                        <a:t>/</a:t>
+                      </a:r>
+                      <a:r>
+                        <a:rPr lang="zh-CN" altLang="en-US" sz="3600" b="1" dirty="0">
+                          <a:solidFill>
+                            <a:srgbClr val="FFC000"/>
+                          </a:solidFill>
+                          <a:latin typeface="微软雅黑" panose="020B0503020204020204" pitchFamily="34" charset="-122"/>
+                          <a:ea typeface="微软雅黑" panose="020B0503020204020204" pitchFamily="34" charset="-122"/>
+                        </a:rPr>
+                        <a:t>新生 冠军</a:t>
+                      </a:r>
+                      <a:endParaRPr lang="en-US" altLang="zh-CN" sz="3600" b="1" dirty="0">
+                        <a:solidFill>
+                          <a:srgbClr val="FFC000"/>
+                        </a:solidFill>
+                        <a:latin typeface="微软雅黑" panose="020B0503020204020204" pitchFamily="34" charset="-122"/>
+                        <a:ea typeface="微软雅黑" panose="020B0503020204020204" pitchFamily="34" charset="-122"/>
+                      </a:endParaRPr>
+                    </a:p>
+                  </a:txBody>
+                  <a:tcPr/>
+                </a:tc>
+                <a:tc>
+                  <a:txBody>
+                    <a:bodyPr/>
+                    <a:lstStyle/>
+                    <a:p>
+                      <a:r>
+                        <a:rPr lang="zh-CN" altLang="en-US" sz="3200" dirty="0"/>
+                        <a:t>悦米机械键盘 </a:t>
+                      </a:r>
+                      <a:r>
+                        <a:rPr lang="en-US" altLang="zh-CN" sz="3200" dirty="0"/>
+                        <a:t>Pro</a:t>
+                      </a:r>
+                      <a:endParaRPr lang="zh-CN" altLang="en-US" sz="3200" dirty="0"/>
+                    </a:p>
+                  </a:txBody>
+                  <a:tcPr/>
+                </a:tc>
+                <a:extLst>
+                  <a:ext uri="{0D108BD9-81ED-4DB2-BD59-A6C34878D82A}">
+                    <a16:rowId xmlns:a16="http://schemas.microsoft.com/office/drawing/2014/main" val="2385297537"/>
+                  </a:ext>
+                </a:extLst>
+              </a:tr>
+              <a:tr h="716975">
+                <a:tc>
+                  <a:txBody>
+                    <a:bodyPr/>
+                    <a:lstStyle/>
+                    <a:p>
+                      <a:pPr marL="0" marR="0" lvl="0" indent="0" algn="l" defTabSz="914400" rtl="0" eaLnBrk="1" fontAlgn="auto" latinLnBrk="0" hangingPunct="1">
+                        <a:lnSpc>
+                          <a:spcPct val="100000"/>
+                        </a:lnSpc>
+                        <a:spcBef>
+                          <a:spcPts val="0"/>
+                        </a:spcBef>
+                        <a:spcAft>
+                          <a:spcPts val="0"/>
+                        </a:spcAft>
+                        <a:buClrTx/>
+                        <a:buSzTx/>
+                        <a:buFontTx/>
+                        <a:buNone/>
+                        <a:tabLst/>
+                        <a:defRPr/>
+                      </a:pPr>
+                      <a:r>
+                        <a:rPr lang="zh-CN" altLang="en-US" sz="3600" b="1" dirty="0">
+                          <a:solidFill>
+                            <a:schemeClr val="bg2">
+                              <a:lumMod val="75000"/>
+                            </a:schemeClr>
+                          </a:solidFill>
+                          <a:latin typeface="微软雅黑" panose="020B0503020204020204" pitchFamily="34" charset="-122"/>
+                          <a:ea typeface="微软雅黑" panose="020B0503020204020204" pitchFamily="34" charset="-122"/>
+                        </a:rPr>
+                        <a:t>全场</a:t>
+                      </a:r>
+                      <a:r>
+                        <a:rPr lang="en-US" altLang="zh-CN" sz="3600" b="1" dirty="0">
+                          <a:solidFill>
+                            <a:schemeClr val="bg2">
+                              <a:lumMod val="75000"/>
+                            </a:schemeClr>
+                          </a:solidFill>
+                          <a:latin typeface="微软雅黑" panose="020B0503020204020204" pitchFamily="34" charset="-122"/>
+                          <a:ea typeface="微软雅黑" panose="020B0503020204020204" pitchFamily="34" charset="-122"/>
+                        </a:rPr>
+                        <a:t>/</a:t>
+                      </a:r>
+                      <a:r>
+                        <a:rPr lang="zh-CN" altLang="en-US" sz="3600" b="1" dirty="0">
+                          <a:solidFill>
+                            <a:schemeClr val="bg2">
+                              <a:lumMod val="75000"/>
+                            </a:schemeClr>
+                          </a:solidFill>
+                          <a:latin typeface="微软雅黑" panose="020B0503020204020204" pitchFamily="34" charset="-122"/>
+                          <a:ea typeface="微软雅黑" panose="020B0503020204020204" pitchFamily="34" charset="-122"/>
+                        </a:rPr>
+                        <a:t>新生 亚军</a:t>
+                      </a:r>
+                      <a:endParaRPr lang="en-US" altLang="zh-CN" sz="3600" b="1" dirty="0">
+                        <a:solidFill>
+                          <a:schemeClr val="bg2">
+                            <a:lumMod val="75000"/>
+                          </a:schemeClr>
+                        </a:solidFill>
+                        <a:latin typeface="微软雅黑" panose="020B0503020204020204" pitchFamily="34" charset="-122"/>
+                        <a:ea typeface="微软雅黑" panose="020B0503020204020204" pitchFamily="34" charset="-122"/>
+                      </a:endParaRPr>
+                    </a:p>
+                  </a:txBody>
+                  <a:tcPr/>
+                </a:tc>
+                <a:tc>
+                  <a:txBody>
+                    <a:bodyPr/>
+                    <a:lstStyle/>
+                    <a:p>
+                      <a:r>
+                        <a:rPr lang="zh-CN" altLang="en-US" sz="3200" dirty="0"/>
+                        <a:t>悦米机械键盘</a:t>
+                      </a:r>
+                    </a:p>
+                  </a:txBody>
+                  <a:tcPr/>
+                </a:tc>
+                <a:extLst>
+                  <a:ext uri="{0D108BD9-81ED-4DB2-BD59-A6C34878D82A}">
+                    <a16:rowId xmlns:a16="http://schemas.microsoft.com/office/drawing/2014/main" val="2321851454"/>
+                  </a:ext>
+                </a:extLst>
+              </a:tr>
+              <a:tr h="716975">
+                <a:tc>
+                  <a:txBody>
+                    <a:bodyPr/>
+                    <a:lstStyle/>
+                    <a:p>
+                      <a:pPr marL="0" marR="0" lvl="0" indent="0" algn="l" defTabSz="914400" rtl="0" eaLnBrk="1" fontAlgn="auto" latinLnBrk="0" hangingPunct="1">
+                        <a:lnSpc>
+                          <a:spcPct val="100000"/>
+                        </a:lnSpc>
+                        <a:spcBef>
+                          <a:spcPts val="0"/>
+                        </a:spcBef>
+                        <a:spcAft>
+                          <a:spcPts val="0"/>
+                        </a:spcAft>
+                        <a:buClrTx/>
+                        <a:buSzTx/>
+                        <a:buFontTx/>
+                        <a:buNone/>
+                        <a:tabLst/>
+                        <a:defRPr/>
+                      </a:pPr>
+                      <a:r>
+                        <a:rPr lang="zh-CN" altLang="en-US" sz="3600" b="1" dirty="0">
+                          <a:solidFill>
+                            <a:srgbClr val="CF9217"/>
+                          </a:solidFill>
+                          <a:latin typeface="微软雅黑" panose="020B0503020204020204" pitchFamily="34" charset="-122"/>
+                          <a:ea typeface="微软雅黑" panose="020B0503020204020204" pitchFamily="34" charset="-122"/>
+                        </a:rPr>
+                        <a:t>全场</a:t>
+                      </a:r>
+                      <a:r>
+                        <a:rPr lang="en-US" altLang="zh-CN" sz="3600" b="1" dirty="0">
+                          <a:solidFill>
+                            <a:srgbClr val="CF9217"/>
+                          </a:solidFill>
+                          <a:latin typeface="微软雅黑" panose="020B0503020204020204" pitchFamily="34" charset="-122"/>
+                          <a:ea typeface="微软雅黑" panose="020B0503020204020204" pitchFamily="34" charset="-122"/>
+                        </a:rPr>
+                        <a:t>/</a:t>
+                      </a:r>
+                      <a:r>
+                        <a:rPr lang="zh-CN" altLang="en-US" sz="3600" b="1" dirty="0">
+                          <a:solidFill>
+                            <a:srgbClr val="CF9217"/>
+                          </a:solidFill>
+                          <a:latin typeface="微软雅黑" panose="020B0503020204020204" pitchFamily="34" charset="-122"/>
+                          <a:ea typeface="微软雅黑" panose="020B0503020204020204" pitchFamily="34" charset="-122"/>
+                        </a:rPr>
+                        <a:t>新生 季军</a:t>
+                      </a:r>
+                      <a:endParaRPr lang="en-US" altLang="zh-CN" sz="3600" b="1" dirty="0">
+                        <a:solidFill>
+                          <a:srgbClr val="CF9217"/>
+                        </a:solidFill>
+                        <a:latin typeface="微软雅黑" panose="020B0503020204020204" pitchFamily="34" charset="-122"/>
+                        <a:ea typeface="微软雅黑" panose="020B0503020204020204" pitchFamily="34" charset="-122"/>
+                      </a:endParaRPr>
+                    </a:p>
+                  </a:txBody>
+                  <a:tcPr/>
+                </a:tc>
+                <a:tc>
+                  <a:txBody>
+                    <a:bodyPr/>
+                    <a:lstStyle/>
+                    <a:p>
+                      <a:r>
+                        <a:rPr lang="zh-CN" altLang="en-US" sz="3200" dirty="0"/>
+                        <a:t>蓝牙键盘</a:t>
+                      </a:r>
+                    </a:p>
+                  </a:txBody>
+                  <a:tcPr/>
+                </a:tc>
+                <a:extLst>
+                  <a:ext uri="{0D108BD9-81ED-4DB2-BD59-A6C34878D82A}">
+                    <a16:rowId xmlns:a16="http://schemas.microsoft.com/office/drawing/2014/main" val="175885289"/>
+                  </a:ext>
+                </a:extLst>
+              </a:tr>
+              <a:tr h="716975">
+                <a:tc>
+                  <a:txBody>
+                    <a:bodyPr/>
+                    <a:lstStyle/>
+                    <a:p>
+                      <a:pPr marL="0" marR="0" lvl="0" indent="0" algn="l" defTabSz="914400" rtl="0" eaLnBrk="1" fontAlgn="auto" latinLnBrk="0" hangingPunct="1">
+                        <a:lnSpc>
+                          <a:spcPct val="100000"/>
+                        </a:lnSpc>
+                        <a:spcBef>
+                          <a:spcPts val="0"/>
+                        </a:spcBef>
+                        <a:spcAft>
+                          <a:spcPts val="0"/>
+                        </a:spcAft>
+                        <a:buClrTx/>
+                        <a:buSzTx/>
+                        <a:buFontTx/>
+                        <a:buNone/>
+                        <a:tabLst/>
+                        <a:defRPr/>
+                      </a:pPr>
+                      <a:r>
+                        <a:rPr lang="zh-CN" altLang="en-US" sz="3600" b="1" dirty="0">
+                          <a:solidFill>
+                            <a:srgbClr val="EF7DDF"/>
+                          </a:solidFill>
+                          <a:latin typeface="微软雅黑" panose="020B0503020204020204" pitchFamily="34" charset="-122"/>
+                          <a:ea typeface="微软雅黑" panose="020B0503020204020204" pitchFamily="34" charset="-122"/>
+                        </a:rPr>
+                        <a:t>最佳女生</a:t>
+                      </a:r>
+                      <a:endParaRPr lang="en-US" altLang="zh-CN" sz="3600" b="1" dirty="0">
+                        <a:solidFill>
+                          <a:srgbClr val="EF7DDF"/>
+                        </a:solidFill>
+                        <a:latin typeface="微软雅黑" panose="020B0503020204020204" pitchFamily="34" charset="-122"/>
+                        <a:ea typeface="微软雅黑" panose="020B0503020204020204" pitchFamily="34" charset="-122"/>
+                      </a:endParaRPr>
+                    </a:p>
+                  </a:txBody>
+                  <a:tcPr/>
+                </a:tc>
+                <a:tc>
+                  <a:txBody>
+                    <a:bodyPr/>
+                    <a:lstStyle/>
+                    <a:p>
+                      <a:r>
+                        <a:rPr lang="zh-CN" altLang="en-US" sz="3200" dirty="0"/>
+                        <a:t>美容棒</a:t>
+                      </a:r>
+                    </a:p>
+                  </a:txBody>
+                  <a:tcPr/>
+                </a:tc>
+                <a:extLst>
+                  <a:ext uri="{0D108BD9-81ED-4DB2-BD59-A6C34878D82A}">
+                    <a16:rowId xmlns:a16="http://schemas.microsoft.com/office/drawing/2014/main" val="77098131"/>
+                  </a:ext>
+                </a:extLst>
+              </a:tr>
+              <a:tr h="716975">
+                <a:tc>
+                  <a:txBody>
+                    <a:bodyPr/>
+                    <a:lstStyle/>
+                    <a:p>
+                      <a:pPr marL="0" marR="0" lvl="0" indent="0" algn="l" defTabSz="914400" rtl="0" eaLnBrk="1" fontAlgn="auto" latinLnBrk="0" hangingPunct="1">
+                        <a:lnSpc>
+                          <a:spcPct val="100000"/>
+                        </a:lnSpc>
+                        <a:spcBef>
+                          <a:spcPts val="0"/>
+                        </a:spcBef>
+                        <a:spcAft>
+                          <a:spcPts val="0"/>
+                        </a:spcAft>
+                        <a:buClrTx/>
+                        <a:buSzTx/>
+                        <a:buFontTx/>
+                        <a:buNone/>
+                        <a:tabLst/>
+                        <a:defRPr/>
+                      </a:pPr>
+                      <a:r>
+                        <a:rPr lang="zh-CN" altLang="en-US" sz="3600" b="1" dirty="0">
+                          <a:solidFill>
+                            <a:schemeClr val="accent6">
+                              <a:lumMod val="75000"/>
+                            </a:schemeClr>
+                          </a:solidFill>
+                          <a:latin typeface="微软雅黑" panose="020B0503020204020204" pitchFamily="34" charset="-122"/>
+                          <a:ea typeface="微软雅黑" panose="020B0503020204020204" pitchFamily="34" charset="-122"/>
+                        </a:rPr>
+                        <a:t>顽强拼搏</a:t>
+                      </a:r>
+                      <a:endParaRPr lang="en-US" altLang="zh-CN" sz="3600" b="1" dirty="0">
+                        <a:solidFill>
+                          <a:schemeClr val="accent6">
+                            <a:lumMod val="75000"/>
+                          </a:schemeClr>
+                        </a:solidFill>
+                        <a:latin typeface="微软雅黑" panose="020B0503020204020204" pitchFamily="34" charset="-122"/>
+                        <a:ea typeface="微软雅黑" panose="020B0503020204020204" pitchFamily="34" charset="-122"/>
+                      </a:endParaRPr>
+                    </a:p>
+                  </a:txBody>
+                  <a:tcPr/>
+                </a:tc>
+                <a:tc>
+                  <a:txBody>
+                    <a:bodyPr/>
+                    <a:lstStyle/>
+                    <a:p>
+                      <a:r>
+                        <a:rPr lang="zh-CN" altLang="en-US" sz="3200" dirty="0"/>
+                        <a:t>闪迪</a:t>
+                      </a:r>
+                      <a:r>
+                        <a:rPr lang="en-US" altLang="zh-CN" sz="3200" dirty="0"/>
+                        <a:t>U</a:t>
+                      </a:r>
+                      <a:r>
+                        <a:rPr lang="zh-CN" altLang="en-US" sz="3200" dirty="0"/>
+                        <a:t>盘 </a:t>
+                      </a:r>
+                      <a:r>
+                        <a:rPr lang="en-US" altLang="zh-CN" sz="3200" dirty="0"/>
+                        <a:t>64G</a:t>
+                      </a:r>
+                    </a:p>
+                  </a:txBody>
+                  <a:tcPr/>
+                </a:tc>
+                <a:extLst>
+                  <a:ext uri="{0D108BD9-81ED-4DB2-BD59-A6C34878D82A}">
+                    <a16:rowId xmlns:a16="http://schemas.microsoft.com/office/drawing/2014/main" val="212878870"/>
+                  </a:ext>
+                </a:extLst>
+              </a:tr>
+              <a:tr h="716975">
+                <a:tc>
+                  <a:txBody>
+                    <a:bodyPr/>
+                    <a:lstStyle/>
+                    <a:p>
+                      <a:r>
+                        <a:rPr lang="zh-CN" altLang="en-US" sz="3600" b="1" dirty="0">
+                          <a:solidFill>
+                            <a:srgbClr val="FF0000"/>
+                          </a:solidFill>
+                          <a:latin typeface="微软雅黑" panose="020B0503020204020204" pitchFamily="34" charset="-122"/>
+                          <a:ea typeface="微软雅黑" panose="020B0503020204020204" pitchFamily="34" charset="-122"/>
+                        </a:rPr>
+                        <a:t>大吉大利</a:t>
+                      </a:r>
+                      <a:endParaRPr lang="zh-CN" altLang="en-US" sz="3600" dirty="0"/>
+                    </a:p>
+                  </a:txBody>
+                  <a:tcPr/>
+                </a:tc>
+                <a:tc>
+                  <a:txBody>
+                    <a:bodyPr/>
+                    <a:lstStyle/>
+                    <a:p>
+                      <a:r>
+                        <a:rPr lang="zh-CN" altLang="en-US" sz="3200" dirty="0"/>
+                        <a:t>神秘奖品</a:t>
+                      </a:r>
+                    </a:p>
+                  </a:txBody>
+                  <a:tcPr/>
+                </a:tc>
+                <a:extLst>
+                  <a:ext uri="{0D108BD9-81ED-4DB2-BD59-A6C34878D82A}">
+                    <a16:rowId xmlns:a16="http://schemas.microsoft.com/office/drawing/2014/main" val="3676810105"/>
+                  </a:ext>
+                </a:extLst>
+              </a:tr>
+            </a:tbl>
+          </a:graphicData>
+        </a:graphic>
+      </p:graphicFrame>
+      <p:sp>
+        <p:nvSpPr>
+          <p:cNvPr id="11" name="文本框 10">
+            <a:extLst>
+              <a:ext uri="{FF2B5EF4-FFF2-40B4-BE49-F238E27FC236}">
+                <a16:creationId xmlns:a16="http://schemas.microsoft.com/office/drawing/2014/main" id="{23B68838-A938-4C88-AC51-0EFF0C3EEC8C}"/>
+              </a:ext>
+            </a:extLst>
+          </p:cNvPr>
+          <p:cNvSpPr txBox="1"/>
+          <p:nvPr/>
+        </p:nvSpPr>
+        <p:spPr>
+          <a:xfrm>
+            <a:off x="3437067" y="5829657"/>
+            <a:ext cx="5330305" cy="461665"/>
+          </a:xfrm>
+          <a:prstGeom prst="rect">
+            <a:avLst/>
+          </a:prstGeom>
+          <a:noFill/>
+        </p:spPr>
+        <p:txBody>
+          <a:bodyPr wrap="none" rtlCol="0">
+            <a:spAutoFit/>
+          </a:bodyPr>
+          <a:lstStyle/>
+          <a:p>
+            <a:r>
+              <a:rPr lang="en-US" altLang="zh-CN" sz="2400" dirty="0"/>
+              <a:t>2018.12.25 17:30-20:30 </a:t>
+            </a:r>
+            <a:r>
+              <a:rPr lang="zh-CN" altLang="en-US" sz="2400" dirty="0"/>
+              <a:t>鹤琴楼</a:t>
+            </a:r>
+            <a:r>
+              <a:rPr lang="en-US" altLang="zh-CN" sz="2400" dirty="0"/>
+              <a:t>103,104</a:t>
+            </a:r>
+            <a:endParaRPr lang="zh-CN" altLang="en-US" sz="2400" dirty="0"/>
           </a:p>
         </p:txBody>
       </p:sp>

--- a/递归.pptx
+++ b/递归.pptx
@@ -9814,7 +9814,13 @@
           <p:cNvGraphicFramePr>
             <a:graphicFrameLocks noGrp="1"/>
           </p:cNvGraphicFramePr>
-          <p:nvPr/>
+          <p:nvPr>
+            <p:extLst>
+              <p:ext uri="{D42A27DB-BD31-4B8C-83A1-F6EECF244321}">
+                <p14:modId xmlns:p14="http://schemas.microsoft.com/office/powerpoint/2010/main" val="1519863689"/>
+              </p:ext>
+            </p:extLst>
+          </p:nvPr>
         </p:nvGraphicFramePr>
         <p:xfrm>
           <a:off x="-27992" y="18661"/>
@@ -9929,7 +9935,7 @@
           <p:nvPr>
             <p:extLst>
               <p:ext uri="{D42A27DB-BD31-4B8C-83A1-F6EECF244321}">
-                <p14:modId xmlns:p14="http://schemas.microsoft.com/office/powerpoint/2010/main" val="2603554265"/>
+                <p14:modId xmlns:p14="http://schemas.microsoft.com/office/powerpoint/2010/main" val="2331172106"/>
               </p:ext>
             </p:extLst>
           </p:nvPr>
@@ -9942,7 +9948,7 @@
           <a:graphicData uri="http://schemas.openxmlformats.org/drawingml/2006/table">
             <a:tbl>
               <a:tblPr firstRow="1" bandRow="1">
-                <a:tableStyleId>{5C22544A-7EE6-4342-B048-85BDC9FD1C3A}</a:tableStyleId>
+                <a:tableStyleId>{5940675A-B579-460E-94D1-54222C63F5DA}</a:tableStyleId>
               </a:tblPr>
               <a:tblGrid>
                 <a:gridCol w="5166196">
@@ -9971,9 +9977,15 @@
                         <a:rPr lang="zh-CN" altLang="en-US" sz="3600" dirty="0"/>
                         <a:t>奖项</a:t>
                       </a:r>
+                      <a:endParaRPr lang="zh-CN" altLang="en-US" sz="3600" b="1" dirty="0"/>
                     </a:p>
                   </a:txBody>
-                  <a:tcPr/>
+                  <a:tcPr>
+                    <a:cell3D prstMaterial="dkEdge">
+                      <a:bevel prst="coolSlant"/>
+                      <a:lightRig rig="flood" dir="t"/>
+                    </a:cell3D>
+                  </a:tcPr>
                 </a:tc>
                 <a:tc>
                   <a:txBody>
@@ -9985,10 +9997,15 @@
                         <a:rPr lang="zh-CN" altLang="en-US" sz="3600" dirty="0"/>
                         <a:t>奖品</a:t>
                       </a:r>
-                      <a:endParaRPr lang="zh-CN" altLang="en-US" dirty="0"/>
+                      <a:endParaRPr lang="zh-CN" altLang="en-US" b="1" dirty="0"/>
                     </a:p>
                   </a:txBody>
-                  <a:tcPr/>
+                  <a:tcPr>
+                    <a:cell3D prstMaterial="dkEdge">
+                      <a:bevel prst="coolSlant"/>
+                      <a:lightRig rig="flood" dir="t"/>
+                    </a:cell3D>
+                  </a:tcPr>
                 </a:tc>
                 <a:extLst>
                   <a:ext uri="{0D108BD9-81ED-4DB2-BD59-A6C34878D82A}">
@@ -10022,43 +10039,42 @@
                       <a:r>
                         <a:rPr lang="zh-CN" altLang="en-US" sz="3600" b="1" dirty="0">
                           <a:solidFill>
-                            <a:srgbClr val="FFC000"/>
+                            <a:srgbClr val="FFFF00"/>
                           </a:solidFill>
-                          <a:latin typeface="微软雅黑" panose="020B0503020204020204" pitchFamily="34" charset="-122"/>
-                          <a:ea typeface="微软雅黑" panose="020B0503020204020204" pitchFamily="34" charset="-122"/>
                         </a:rPr>
                         <a:t>全场</a:t>
                       </a:r>
                       <a:r>
                         <a:rPr lang="en-US" altLang="zh-CN" sz="3600" b="1" dirty="0">
                           <a:solidFill>
-                            <a:srgbClr val="FFC000"/>
+                            <a:srgbClr val="FFFF00"/>
                           </a:solidFill>
-                          <a:latin typeface="微软雅黑" panose="020B0503020204020204" pitchFamily="34" charset="-122"/>
-                          <a:ea typeface="微软雅黑" panose="020B0503020204020204" pitchFamily="34" charset="-122"/>
                         </a:rPr>
                         <a:t>/</a:t>
                       </a:r>
                       <a:r>
                         <a:rPr lang="zh-CN" altLang="en-US" sz="3600" b="1" dirty="0">
                           <a:solidFill>
-                            <a:srgbClr val="FFC000"/>
+                            <a:srgbClr val="FFFF00"/>
                           </a:solidFill>
-                          <a:latin typeface="微软雅黑" panose="020B0503020204020204" pitchFamily="34" charset="-122"/>
-                          <a:ea typeface="微软雅黑" panose="020B0503020204020204" pitchFamily="34" charset="-122"/>
                         </a:rPr>
                         <a:t>新生 冠军</a:t>
                       </a:r>
                       <a:endParaRPr lang="en-US" altLang="zh-CN" sz="3600" b="1" dirty="0">
                         <a:solidFill>
-                          <a:srgbClr val="FFC000"/>
+                          <a:srgbClr val="FFFF00"/>
                         </a:solidFill>
                         <a:latin typeface="微软雅黑" panose="020B0503020204020204" pitchFamily="34" charset="-122"/>
                         <a:ea typeface="微软雅黑" panose="020B0503020204020204" pitchFamily="34" charset="-122"/>
                       </a:endParaRPr>
                     </a:p>
                   </a:txBody>
-                  <a:tcPr/>
+                  <a:tcPr>
+                    <a:cell3D prstMaterial="dkEdge">
+                      <a:bevel prst="coolSlant"/>
+                      <a:lightRig rig="flood" dir="t"/>
+                    </a:cell3D>
+                  </a:tcPr>
                 </a:tc>
                 <a:tc>
                   <a:txBody>
@@ -10073,10 +10089,15 @@
                         <a:rPr lang="en-US" altLang="zh-CN" sz="3200" dirty="0"/>
                         <a:t>Pro</a:t>
                       </a:r>
-                      <a:endParaRPr lang="zh-CN" altLang="en-US" sz="3200" dirty="0"/>
+                      <a:endParaRPr lang="zh-CN" altLang="en-US" sz="3200" b="1" dirty="0"/>
                     </a:p>
                   </a:txBody>
-                  <a:tcPr/>
+                  <a:tcPr>
+                    <a:cell3D prstMaterial="dkEdge">
+                      <a:bevel prst="coolSlant"/>
+                      <a:lightRig rig="flood" dir="t"/>
+                    </a:cell3D>
+                  </a:tcPr>
                 </a:tc>
                 <a:extLst>
                   <a:ext uri="{0D108BD9-81ED-4DB2-BD59-A6C34878D82A}">
@@ -10110,43 +10131,41 @@
                       <a:r>
                         <a:rPr lang="zh-CN" altLang="en-US" sz="3600" b="1" dirty="0">
                           <a:solidFill>
-                            <a:schemeClr val="bg2">
-                              <a:lumMod val="75000"/>
+                            <a:schemeClr val="accent6">
+                              <a:lumMod val="60000"/>
+                              <a:lumOff val="40000"/>
                             </a:schemeClr>
                           </a:solidFill>
-                          <a:latin typeface="微软雅黑" panose="020B0503020204020204" pitchFamily="34" charset="-122"/>
-                          <a:ea typeface="微软雅黑" panose="020B0503020204020204" pitchFamily="34" charset="-122"/>
                         </a:rPr>
                         <a:t>全场</a:t>
                       </a:r>
                       <a:r>
                         <a:rPr lang="en-US" altLang="zh-CN" sz="3600" b="1" dirty="0">
                           <a:solidFill>
-                            <a:schemeClr val="bg2">
-                              <a:lumMod val="75000"/>
+                            <a:schemeClr val="accent6">
+                              <a:lumMod val="60000"/>
+                              <a:lumOff val="40000"/>
                             </a:schemeClr>
                           </a:solidFill>
-                          <a:latin typeface="微软雅黑" panose="020B0503020204020204" pitchFamily="34" charset="-122"/>
-                          <a:ea typeface="微软雅黑" panose="020B0503020204020204" pitchFamily="34" charset="-122"/>
                         </a:rPr>
                         <a:t>/</a:t>
                       </a:r>
                       <a:r>
                         <a:rPr lang="zh-CN" altLang="en-US" sz="3600" b="1" dirty="0">
                           <a:solidFill>
-                            <a:schemeClr val="bg2">
-                              <a:lumMod val="75000"/>
+                            <a:schemeClr val="accent6">
+                              <a:lumMod val="60000"/>
+                              <a:lumOff val="40000"/>
                             </a:schemeClr>
                           </a:solidFill>
-                          <a:latin typeface="微软雅黑" panose="020B0503020204020204" pitchFamily="34" charset="-122"/>
-                          <a:ea typeface="微软雅黑" panose="020B0503020204020204" pitchFamily="34" charset="-122"/>
                         </a:rPr>
                         <a:t>新生 亚军</a:t>
                       </a:r>
                       <a:endParaRPr lang="en-US" altLang="zh-CN" sz="3600" b="1" dirty="0">
                         <a:solidFill>
-                          <a:schemeClr val="bg2">
-                            <a:lumMod val="75000"/>
+                          <a:schemeClr val="accent6">
+                            <a:lumMod val="60000"/>
+                            <a:lumOff val="40000"/>
                           </a:schemeClr>
                         </a:solidFill>
                         <a:latin typeface="微软雅黑" panose="020B0503020204020204" pitchFamily="34" charset="-122"/>
@@ -10154,7 +10173,12 @@
                       </a:endParaRPr>
                     </a:p>
                   </a:txBody>
-                  <a:tcPr/>
+                  <a:tcPr>
+                    <a:cell3D prstMaterial="dkEdge">
+                      <a:bevel prst="coolSlant"/>
+                      <a:lightRig rig="flood" dir="t"/>
+                    </a:cell3D>
+                  </a:tcPr>
                 </a:tc>
                 <a:tc>
                   <a:txBody>
@@ -10165,9 +10189,15 @@
                         <a:rPr lang="zh-CN" altLang="en-US" sz="3200" dirty="0"/>
                         <a:t>悦米机械键盘</a:t>
                       </a:r>
+                      <a:endParaRPr lang="zh-CN" altLang="en-US" sz="3200" b="1" dirty="0"/>
                     </a:p>
                   </a:txBody>
-                  <a:tcPr/>
+                  <a:tcPr>
+                    <a:cell3D prstMaterial="dkEdge">
+                      <a:bevel prst="coolSlant"/>
+                      <a:lightRig rig="flood" dir="t"/>
+                    </a:cell3D>
+                  </a:tcPr>
                 </a:tc>
                 <a:extLst>
                   <a:ext uri="{0D108BD9-81ED-4DB2-BD59-A6C34878D82A}">
@@ -10201,43 +10231,42 @@
                       <a:r>
                         <a:rPr lang="zh-CN" altLang="en-US" sz="3600" b="1" dirty="0">
                           <a:solidFill>
-                            <a:srgbClr val="CF9217"/>
+                            <a:srgbClr val="FFC000"/>
                           </a:solidFill>
-                          <a:latin typeface="微软雅黑" panose="020B0503020204020204" pitchFamily="34" charset="-122"/>
-                          <a:ea typeface="微软雅黑" panose="020B0503020204020204" pitchFamily="34" charset="-122"/>
                         </a:rPr>
                         <a:t>全场</a:t>
                       </a:r>
                       <a:r>
                         <a:rPr lang="en-US" altLang="zh-CN" sz="3600" b="1" dirty="0">
                           <a:solidFill>
-                            <a:srgbClr val="CF9217"/>
+                            <a:srgbClr val="FFC000"/>
                           </a:solidFill>
-                          <a:latin typeface="微软雅黑" panose="020B0503020204020204" pitchFamily="34" charset="-122"/>
-                          <a:ea typeface="微软雅黑" panose="020B0503020204020204" pitchFamily="34" charset="-122"/>
                         </a:rPr>
                         <a:t>/</a:t>
                       </a:r>
                       <a:r>
                         <a:rPr lang="zh-CN" altLang="en-US" sz="3600" b="1" dirty="0">
                           <a:solidFill>
-                            <a:srgbClr val="CF9217"/>
+                            <a:srgbClr val="FFC000"/>
                           </a:solidFill>
-                          <a:latin typeface="微软雅黑" panose="020B0503020204020204" pitchFamily="34" charset="-122"/>
-                          <a:ea typeface="微软雅黑" panose="020B0503020204020204" pitchFamily="34" charset="-122"/>
                         </a:rPr>
                         <a:t>新生 季军</a:t>
                       </a:r>
                       <a:endParaRPr lang="en-US" altLang="zh-CN" sz="3600" b="1" dirty="0">
                         <a:solidFill>
-                          <a:srgbClr val="CF9217"/>
+                          <a:srgbClr val="FFC000"/>
                         </a:solidFill>
                         <a:latin typeface="微软雅黑" panose="020B0503020204020204" pitchFamily="34" charset="-122"/>
                         <a:ea typeface="微软雅黑" panose="020B0503020204020204" pitchFamily="34" charset="-122"/>
                       </a:endParaRPr>
                     </a:p>
                   </a:txBody>
-                  <a:tcPr/>
+                  <a:tcPr>
+                    <a:cell3D prstMaterial="dkEdge">
+                      <a:bevel prst="coolSlant"/>
+                      <a:lightRig rig="flood" dir="t"/>
+                    </a:cell3D>
+                  </a:tcPr>
                 </a:tc>
                 <a:tc>
                   <a:txBody>
@@ -10248,9 +10277,15 @@
                         <a:rPr lang="zh-CN" altLang="en-US" sz="3200" dirty="0"/>
                         <a:t>蓝牙键盘</a:t>
                       </a:r>
+                      <a:endParaRPr lang="zh-CN" altLang="en-US" sz="3200" b="1" dirty="0"/>
                     </a:p>
                   </a:txBody>
-                  <a:tcPr/>
+                  <a:tcPr>
+                    <a:cell3D prstMaterial="dkEdge">
+                      <a:bevel prst="coolSlant"/>
+                      <a:lightRig rig="flood" dir="t"/>
+                    </a:cell3D>
+                  </a:tcPr>
                 </a:tc>
                 <a:extLst>
                   <a:ext uri="{0D108BD9-81ED-4DB2-BD59-A6C34878D82A}">
@@ -10284,23 +10319,32 @@
                       <a:r>
                         <a:rPr lang="zh-CN" altLang="en-US" sz="3600" b="1" dirty="0">
                           <a:solidFill>
-                            <a:srgbClr val="EF7DDF"/>
+                            <a:schemeClr val="accent4">
+                              <a:lumMod val="60000"/>
+                              <a:lumOff val="40000"/>
+                            </a:schemeClr>
                           </a:solidFill>
-                          <a:latin typeface="微软雅黑" panose="020B0503020204020204" pitchFamily="34" charset="-122"/>
-                          <a:ea typeface="微软雅黑" panose="020B0503020204020204" pitchFamily="34" charset="-122"/>
                         </a:rPr>
                         <a:t>最佳女生</a:t>
                       </a:r>
                       <a:endParaRPr lang="en-US" altLang="zh-CN" sz="3600" b="1" dirty="0">
                         <a:solidFill>
-                          <a:srgbClr val="EF7DDF"/>
+                          <a:schemeClr val="accent4">
+                            <a:lumMod val="60000"/>
+                            <a:lumOff val="40000"/>
+                          </a:schemeClr>
                         </a:solidFill>
                         <a:latin typeface="微软雅黑" panose="020B0503020204020204" pitchFamily="34" charset="-122"/>
                         <a:ea typeface="微软雅黑" panose="020B0503020204020204" pitchFamily="34" charset="-122"/>
                       </a:endParaRPr>
                     </a:p>
                   </a:txBody>
-                  <a:tcPr/>
+                  <a:tcPr>
+                    <a:cell3D prstMaterial="dkEdge">
+                      <a:bevel prst="coolSlant"/>
+                      <a:lightRig rig="flood" dir="t"/>
+                    </a:cell3D>
+                  </a:tcPr>
                 </a:tc>
                 <a:tc>
                   <a:txBody>
@@ -10311,9 +10355,15 @@
                         <a:rPr lang="zh-CN" altLang="en-US" sz="3200" dirty="0"/>
                         <a:t>美容棒</a:t>
                       </a:r>
+                      <a:endParaRPr lang="zh-CN" altLang="en-US" sz="3200" b="1" dirty="0"/>
                     </a:p>
                   </a:txBody>
-                  <a:tcPr/>
+                  <a:tcPr>
+                    <a:cell3D prstMaterial="dkEdge">
+                      <a:bevel prst="coolSlant"/>
+                      <a:lightRig rig="flood" dir="t"/>
+                    </a:cell3D>
+                  </a:tcPr>
                 </a:tc>
                 <a:extLst>
                   <a:ext uri="{0D108BD9-81ED-4DB2-BD59-A6C34878D82A}">
@@ -10347,18 +10397,16 @@
                       <a:r>
                         <a:rPr lang="zh-CN" altLang="en-US" sz="3600" b="1" dirty="0">
                           <a:solidFill>
-                            <a:schemeClr val="accent6">
+                            <a:schemeClr val="bg2">
                               <a:lumMod val="75000"/>
                             </a:schemeClr>
                           </a:solidFill>
-                          <a:latin typeface="微软雅黑" panose="020B0503020204020204" pitchFamily="34" charset="-122"/>
-                          <a:ea typeface="微软雅黑" panose="020B0503020204020204" pitchFamily="34" charset="-122"/>
                         </a:rPr>
                         <a:t>顽强拼搏</a:t>
                       </a:r>
                       <a:endParaRPr lang="en-US" altLang="zh-CN" sz="3600" b="1" dirty="0">
                         <a:solidFill>
-                          <a:schemeClr val="accent6">
+                          <a:schemeClr val="bg2">
                             <a:lumMod val="75000"/>
                           </a:schemeClr>
                         </a:solidFill>
@@ -10367,7 +10415,12 @@
                       </a:endParaRPr>
                     </a:p>
                   </a:txBody>
-                  <a:tcPr/>
+                  <a:tcPr>
+                    <a:cell3D prstMaterial="dkEdge">
+                      <a:bevel prst="coolSlant"/>
+                      <a:lightRig rig="flood" dir="t"/>
+                    </a:cell3D>
+                  </a:tcPr>
                 </a:tc>
                 <a:tc>
                   <a:txBody>
@@ -10390,9 +10443,15 @@
                         <a:rPr lang="en-US" altLang="zh-CN" sz="3200" dirty="0"/>
                         <a:t>64G</a:t>
                       </a:r>
+                      <a:endParaRPr lang="en-US" altLang="zh-CN" sz="3200" b="1" dirty="0"/>
                     </a:p>
                   </a:txBody>
-                  <a:tcPr/>
+                  <a:tcPr>
+                    <a:cell3D prstMaterial="dkEdge">
+                      <a:bevel prst="coolSlant"/>
+                      <a:lightRig rig="flood" dir="t"/>
+                    </a:cell3D>
+                  </a:tcPr>
                 </a:tc>
                 <a:extLst>
                   <a:ext uri="{0D108BD9-81ED-4DB2-BD59-A6C34878D82A}">
@@ -10411,15 +10470,17 @@
                           <a:solidFill>
                             <a:srgbClr val="FF0000"/>
                           </a:solidFill>
-                          <a:latin typeface="微软雅黑" panose="020B0503020204020204" pitchFamily="34" charset="-122"/>
-                          <a:ea typeface="微软雅黑" panose="020B0503020204020204" pitchFamily="34" charset="-122"/>
                         </a:rPr>
                         <a:t>大吉大利</a:t>
                       </a:r>
-                      <a:endParaRPr lang="zh-CN" altLang="en-US" sz="3600" dirty="0"/>
                     </a:p>
                   </a:txBody>
-                  <a:tcPr/>
+                  <a:tcPr>
+                    <a:cell3D prstMaterial="dkEdge">
+                      <a:bevel prst="coolSlant"/>
+                      <a:lightRig rig="flood" dir="t"/>
+                    </a:cell3D>
+                  </a:tcPr>
                 </a:tc>
                 <a:tc>
                   <a:txBody>
@@ -10430,9 +10491,15 @@
                         <a:rPr lang="zh-CN" altLang="en-US" sz="3200" dirty="0"/>
                         <a:t>神秘奖品</a:t>
                       </a:r>
+                      <a:endParaRPr lang="zh-CN" altLang="en-US" sz="3200" b="1" dirty="0"/>
                     </a:p>
                   </a:txBody>
-                  <a:tcPr/>
+                  <a:tcPr>
+                    <a:cell3D prstMaterial="dkEdge">
+                      <a:bevel prst="coolSlant"/>
+                      <a:lightRig rig="flood" dir="t"/>
+                    </a:cell3D>
+                  </a:tcPr>
                 </a:tc>
                 <a:extLst>
                   <a:ext uri="{0D108BD9-81ED-4DB2-BD59-A6C34878D82A}">
@@ -10485,6 +10552,49 @@
               <a:t>103,104</a:t>
             </a:r>
             <a:endParaRPr lang="zh-CN" altLang="en-US" sz="2400" dirty="0"/>
+          </a:p>
+        </p:txBody>
+      </p:sp>
+      <p:sp>
+        <p:nvSpPr>
+          <p:cNvPr id="2" name="文本框 1">
+            <a:extLst>
+              <a:ext uri="{FF2B5EF4-FFF2-40B4-BE49-F238E27FC236}">
+                <a16:creationId xmlns:a16="http://schemas.microsoft.com/office/drawing/2014/main" id="{7F86337E-4910-4C49-A236-A1F18CC798A3}"/>
+              </a:ext>
+            </a:extLst>
+          </p:cNvPr>
+          <p:cNvSpPr txBox="1"/>
+          <p:nvPr/>
+        </p:nvSpPr>
+        <p:spPr>
+          <a:xfrm>
+            <a:off x="9104703" y="6497998"/>
+            <a:ext cx="3220753" cy="369332"/>
+          </a:xfrm>
+          <a:prstGeom prst="rect">
+            <a:avLst/>
+          </a:prstGeom>
+          <a:noFill/>
+        </p:spPr>
+        <p:txBody>
+          <a:bodyPr wrap="none" rtlCol="0">
+            <a:spAutoFit/>
+          </a:bodyPr>
+          <a:lstStyle/>
+          <a:p>
+            <a:r>
+              <a:rPr lang="zh-CN" altLang="en-US" dirty="0"/>
+              <a:t>本次比赛奖品由</a:t>
+            </a:r>
+            <a:r>
+              <a:rPr lang="zh-CN" altLang="en-US" b="1" dirty="0"/>
+              <a:t>周恺</a:t>
+            </a:r>
+            <a:r>
+              <a:rPr lang="zh-CN" altLang="en-US" dirty="0"/>
+              <a:t>老师提供</a:t>
+            </a:r>
           </a:p>
         </p:txBody>
       </p:sp>
